--- a/新歓スライド.pptx
+++ b/新歓スライド.pptx
@@ -5,24 +5,29 @@
     <p:sldMasterId id="2147483655" r:id="rId1"/>
   </p:sldMasterIdLst>
   <p:notesMasterIdLst>
-    <p:notesMasterId r:id="rId17"/>
+    <p:notesMasterId r:id="rId22"/>
   </p:notesMasterIdLst>
   <p:sldIdLst>
     <p:sldId id="256" r:id="rId2"/>
     <p:sldId id="257" r:id="rId3"/>
-    <p:sldId id="258" r:id="rId4"/>
-    <p:sldId id="259" r:id="rId5"/>
-    <p:sldId id="263" r:id="rId6"/>
-    <p:sldId id="264" r:id="rId7"/>
-    <p:sldId id="265" r:id="rId8"/>
-    <p:sldId id="266" r:id="rId9"/>
-    <p:sldId id="267" r:id="rId10"/>
-    <p:sldId id="268" r:id="rId11"/>
-    <p:sldId id="269" r:id="rId12"/>
-    <p:sldId id="270" r:id="rId13"/>
-    <p:sldId id="271" r:id="rId14"/>
-    <p:sldId id="261" r:id="rId15"/>
-    <p:sldId id="262" r:id="rId16"/>
+    <p:sldId id="275" r:id="rId4"/>
+    <p:sldId id="276" r:id="rId5"/>
+    <p:sldId id="272" r:id="rId6"/>
+    <p:sldId id="273" r:id="rId7"/>
+    <p:sldId id="274" r:id="rId8"/>
+    <p:sldId id="258" r:id="rId9"/>
+    <p:sldId id="259" r:id="rId10"/>
+    <p:sldId id="263" r:id="rId11"/>
+    <p:sldId id="264" r:id="rId12"/>
+    <p:sldId id="265" r:id="rId13"/>
+    <p:sldId id="266" r:id="rId14"/>
+    <p:sldId id="267" r:id="rId15"/>
+    <p:sldId id="268" r:id="rId16"/>
+    <p:sldId id="269" r:id="rId17"/>
+    <p:sldId id="270" r:id="rId18"/>
+    <p:sldId id="271" r:id="rId19"/>
+    <p:sldId id="261" r:id="rId20"/>
+    <p:sldId id="262" r:id="rId21"/>
   </p:sldIdLst>
   <p:sldSz cx="12192000" cy="6858000"/>
   <p:notesSz cx="6858000" cy="9144000"/>
@@ -255,7 +260,285 @@
       </a:defRPr>
     </a:lvl9pPr>
   </p:defaultTextStyle>
+  <p:extLst>
+    <p:ext uri="{EFAFB233-063F-42B5-8137-9DF3F51BA10A}">
+      <p15:sldGuideLst xmlns:p15="http://schemas.microsoft.com/office/powerpoint/2012/main"/>
+    </p:ext>
+  </p:extLst>
 </p:presentation>
+</file>
+
+<file path=ppt/revisionInfo.xml><?xml version="1.0" encoding="utf-8"?>
+<p1510:revInfo xmlns:a="http://schemas.openxmlformats.org/drawingml/2006/main" xmlns:r="http://schemas.openxmlformats.org/officeDocument/2006/relationships" xmlns:p1510="http://schemas.microsoft.com/office/powerpoint/2015/10/main">
+  <p1510:revLst>
+    <p1510:client id="{0984F369-5C7E-4A65-9A3D-92D046502409}" v="18" dt="2025-04-05T02:08:08.483"/>
+  </p1510:revLst>
+</p1510:revInfo>
+</file>
+
+<file path=ppt/changesInfos/changesInfo1.xml><?xml version="1.0" encoding="utf-8"?>
+<pc:chgInfo xmlns:a="http://schemas.openxmlformats.org/drawingml/2006/main" xmlns:r="http://schemas.openxmlformats.org/officeDocument/2006/relationships" xmlns:ac="http://schemas.microsoft.com/office/drawing/2013/main/command" xmlns:pc="http://schemas.microsoft.com/office/powerpoint/2013/main/command">
+  <pc:docChgLst>
+    <pc:chgData name="開都 服部" userId="4af3a946c9768cd3" providerId="LiveId" clId="{0984F369-5C7E-4A65-9A3D-92D046502409}"/>
+    <pc:docChg chg="undo custSel addSld modSld">
+      <pc:chgData name="開都 服部" userId="4af3a946c9768cd3" providerId="LiveId" clId="{0984F369-5C7E-4A65-9A3D-92D046502409}" dt="2025-04-05T02:08:18.987" v="785" actId="20577"/>
+      <pc:docMkLst>
+        <pc:docMk/>
+      </pc:docMkLst>
+      <pc:sldChg chg="modSp new mod">
+        <pc:chgData name="開都 服部" userId="4af3a946c9768cd3" providerId="LiveId" clId="{0984F369-5C7E-4A65-9A3D-92D046502409}" dt="2025-04-05T01:51:26.617" v="68" actId="20577"/>
+        <pc:sldMkLst>
+          <pc:docMk/>
+          <pc:sldMk cId="3506059884" sldId="272"/>
+        </pc:sldMkLst>
+        <pc:spChg chg="mod">
+          <ac:chgData name="開都 服部" userId="4af3a946c9768cd3" providerId="LiveId" clId="{0984F369-5C7E-4A65-9A3D-92D046502409}" dt="2025-04-05T01:50:03.462" v="27" actId="20577"/>
+          <ac:spMkLst>
+            <pc:docMk/>
+            <pc:sldMk cId="3506059884" sldId="272"/>
+            <ac:spMk id="2" creationId="{B06CDBE6-6A66-9244-8A44-B899F6B4DA53}"/>
+          </ac:spMkLst>
+        </pc:spChg>
+        <pc:spChg chg="mod">
+          <ac:chgData name="開都 服部" userId="4af3a946c9768cd3" providerId="LiveId" clId="{0984F369-5C7E-4A65-9A3D-92D046502409}" dt="2025-04-05T01:51:26.617" v="68" actId="20577"/>
+          <ac:spMkLst>
+            <pc:docMk/>
+            <pc:sldMk cId="3506059884" sldId="272"/>
+            <ac:spMk id="3" creationId="{7C2A9374-145D-190D-4B65-686B3DD01411}"/>
+          </ac:spMkLst>
+        </pc:spChg>
+      </pc:sldChg>
+      <pc:sldChg chg="addSp modSp new mod">
+        <pc:chgData name="開都 服部" userId="4af3a946c9768cd3" providerId="LiveId" clId="{0984F369-5C7E-4A65-9A3D-92D046502409}" dt="2025-04-05T02:00:41.964" v="313" actId="20577"/>
+        <pc:sldMkLst>
+          <pc:docMk/>
+          <pc:sldMk cId="2339037926" sldId="273"/>
+        </pc:sldMkLst>
+        <pc:spChg chg="add mod">
+          <ac:chgData name="開都 服部" userId="4af3a946c9768cd3" providerId="LiveId" clId="{0984F369-5C7E-4A65-9A3D-92D046502409}" dt="2025-04-05T01:58:00.866" v="75" actId="208"/>
+          <ac:spMkLst>
+            <pc:docMk/>
+            <pc:sldMk cId="2339037926" sldId="273"/>
+            <ac:spMk id="6" creationId="{23D7DF89-8A42-3F34-77C7-264D1F4FA95A}"/>
+          </ac:spMkLst>
+        </pc:spChg>
+        <pc:spChg chg="add mod">
+          <ac:chgData name="開都 服部" userId="4af3a946c9768cd3" providerId="LiveId" clId="{0984F369-5C7E-4A65-9A3D-92D046502409}" dt="2025-04-05T01:58:09.356" v="77" actId="1076"/>
+          <ac:spMkLst>
+            <pc:docMk/>
+            <pc:sldMk cId="2339037926" sldId="273"/>
+            <ac:spMk id="7" creationId="{B4C83609-CB7F-33FD-B644-866F5E792C23}"/>
+          </ac:spMkLst>
+        </pc:spChg>
+        <pc:spChg chg="add mod">
+          <ac:chgData name="開都 服部" userId="4af3a946c9768cd3" providerId="LiveId" clId="{0984F369-5C7E-4A65-9A3D-92D046502409}" dt="2025-04-05T01:58:24.191" v="80" actId="14100"/>
+          <ac:spMkLst>
+            <pc:docMk/>
+            <pc:sldMk cId="2339037926" sldId="273"/>
+            <ac:spMk id="8" creationId="{3A2BDBBE-98E9-0588-5CE5-41C81292B4BE}"/>
+          </ac:spMkLst>
+        </pc:spChg>
+        <pc:spChg chg="add mod">
+          <ac:chgData name="開都 服部" userId="4af3a946c9768cd3" providerId="LiveId" clId="{0984F369-5C7E-4A65-9A3D-92D046502409}" dt="2025-04-05T01:58:39.858" v="85" actId="14100"/>
+          <ac:spMkLst>
+            <pc:docMk/>
+            <pc:sldMk cId="2339037926" sldId="273"/>
+            <ac:spMk id="9" creationId="{DDBCE6BC-6258-1D39-1B9A-B019393A3298}"/>
+          </ac:spMkLst>
+        </pc:spChg>
+        <pc:spChg chg="add mod">
+          <ac:chgData name="開都 服部" userId="4af3a946c9768cd3" providerId="LiveId" clId="{0984F369-5C7E-4A65-9A3D-92D046502409}" dt="2025-04-05T01:59:31.133" v="162" actId="14100"/>
+          <ac:spMkLst>
+            <pc:docMk/>
+            <pc:sldMk cId="2339037926" sldId="273"/>
+            <ac:spMk id="10" creationId="{4E8125C5-DD91-C12D-BAAB-3554A3447277}"/>
+          </ac:spMkLst>
+        </pc:spChg>
+        <pc:spChg chg="add mod">
+          <ac:chgData name="開都 服部" userId="4af3a946c9768cd3" providerId="LiveId" clId="{0984F369-5C7E-4A65-9A3D-92D046502409}" dt="2025-04-05T02:00:00.390" v="232" actId="20577"/>
+          <ac:spMkLst>
+            <pc:docMk/>
+            <pc:sldMk cId="2339037926" sldId="273"/>
+            <ac:spMk id="11" creationId="{57105AD1-F3C9-1FD0-E7D6-12C3DBCDDA05}"/>
+          </ac:spMkLst>
+        </pc:spChg>
+        <pc:spChg chg="add mod">
+          <ac:chgData name="開都 服部" userId="4af3a946c9768cd3" providerId="LiveId" clId="{0984F369-5C7E-4A65-9A3D-92D046502409}" dt="2025-04-05T02:00:27.345" v="282" actId="20577"/>
+          <ac:spMkLst>
+            <pc:docMk/>
+            <pc:sldMk cId="2339037926" sldId="273"/>
+            <ac:spMk id="12" creationId="{F9038A7E-B6A7-39FD-42FA-6D5044AD3EA3}"/>
+          </ac:spMkLst>
+        </pc:spChg>
+        <pc:spChg chg="add mod">
+          <ac:chgData name="開都 服部" userId="4af3a946c9768cd3" providerId="LiveId" clId="{0984F369-5C7E-4A65-9A3D-92D046502409}" dt="2025-04-05T02:00:41.964" v="313" actId="20577"/>
+          <ac:spMkLst>
+            <pc:docMk/>
+            <pc:sldMk cId="2339037926" sldId="273"/>
+            <ac:spMk id="13" creationId="{A94FE8CD-A3FA-C4C1-4801-E365D71B16F4}"/>
+          </ac:spMkLst>
+        </pc:spChg>
+        <pc:picChg chg="add mod">
+          <ac:chgData name="開都 服部" userId="4af3a946c9768cd3" providerId="LiveId" clId="{0984F369-5C7E-4A65-9A3D-92D046502409}" dt="2025-04-05T01:57:33.171" v="72" actId="1076"/>
+          <ac:picMkLst>
+            <pc:docMk/>
+            <pc:sldMk cId="2339037926" sldId="273"/>
+            <ac:picMk id="5" creationId="{B27E2665-DA78-AFC3-23B6-5627D33323B1}"/>
+          </ac:picMkLst>
+        </pc:picChg>
+      </pc:sldChg>
+      <pc:sldChg chg="modSp new mod">
+        <pc:chgData name="開都 服部" userId="4af3a946c9768cd3" providerId="LiveId" clId="{0984F369-5C7E-4A65-9A3D-92D046502409}" dt="2025-04-05T02:04:07.012" v="598" actId="20577"/>
+        <pc:sldMkLst>
+          <pc:docMk/>
+          <pc:sldMk cId="3200813187" sldId="274"/>
+        </pc:sldMkLst>
+        <pc:spChg chg="mod">
+          <ac:chgData name="開都 服部" userId="4af3a946c9768cd3" providerId="LiveId" clId="{0984F369-5C7E-4A65-9A3D-92D046502409}" dt="2025-04-05T02:02:37.929" v="359" actId="20577"/>
+          <ac:spMkLst>
+            <pc:docMk/>
+            <pc:sldMk cId="3200813187" sldId="274"/>
+            <ac:spMk id="2" creationId="{54B5FDCB-8927-5F44-E971-06252CC256F7}"/>
+          </ac:spMkLst>
+        </pc:spChg>
+        <pc:spChg chg="mod">
+          <ac:chgData name="開都 服部" userId="4af3a946c9768cd3" providerId="LiveId" clId="{0984F369-5C7E-4A65-9A3D-92D046502409}" dt="2025-04-05T02:04:07.012" v="598" actId="20577"/>
+          <ac:spMkLst>
+            <pc:docMk/>
+            <pc:sldMk cId="3200813187" sldId="274"/>
+            <ac:spMk id="3" creationId="{0C46D07E-BEED-FB65-CA08-EA6851157E05}"/>
+          </ac:spMkLst>
+        </pc:spChg>
+      </pc:sldChg>
+      <pc:sldChg chg="addSp delSp modSp new mod">
+        <pc:chgData name="開都 服部" userId="4af3a946c9768cd3" providerId="LiveId" clId="{0984F369-5C7E-4A65-9A3D-92D046502409}" dt="2025-04-05T02:05:25.465" v="634" actId="21"/>
+        <pc:sldMkLst>
+          <pc:docMk/>
+          <pc:sldMk cId="781210611" sldId="275"/>
+        </pc:sldMkLst>
+        <pc:spChg chg="mod">
+          <ac:chgData name="開都 服部" userId="4af3a946c9768cd3" providerId="LiveId" clId="{0984F369-5C7E-4A65-9A3D-92D046502409}" dt="2025-04-05T02:04:18.938" v="627" actId="20577"/>
+          <ac:spMkLst>
+            <pc:docMk/>
+            <pc:sldMk cId="781210611" sldId="275"/>
+            <ac:spMk id="2" creationId="{704BF69A-525A-05F2-559D-2C81726376C2}"/>
+          </ac:spMkLst>
+        </pc:spChg>
+        <pc:picChg chg="add mod">
+          <ac:chgData name="開都 服部" userId="4af3a946c9768cd3" providerId="LiveId" clId="{0984F369-5C7E-4A65-9A3D-92D046502409}" dt="2025-04-05T02:04:57.377" v="630" actId="962"/>
+          <ac:picMkLst>
+            <pc:docMk/>
+            <pc:sldMk cId="781210611" sldId="275"/>
+            <ac:picMk id="5" creationId="{6CCE8C18-6447-A6CB-AF35-10BA4CF3A5AC}"/>
+          </ac:picMkLst>
+        </pc:picChg>
+        <pc:picChg chg="add del mod">
+          <ac:chgData name="開都 服部" userId="4af3a946c9768cd3" providerId="LiveId" clId="{0984F369-5C7E-4A65-9A3D-92D046502409}" dt="2025-04-05T02:05:25.465" v="634" actId="21"/>
+          <ac:picMkLst>
+            <pc:docMk/>
+            <pc:sldMk cId="781210611" sldId="275"/>
+            <ac:picMk id="7" creationId="{F20E9846-D204-6490-448E-6EB6E8CD8130}"/>
+          </ac:picMkLst>
+        </pc:picChg>
+      </pc:sldChg>
+      <pc:sldChg chg="addSp delSp modSp add mod">
+        <pc:chgData name="開都 服部" userId="4af3a946c9768cd3" providerId="LiveId" clId="{0984F369-5C7E-4A65-9A3D-92D046502409}" dt="2025-04-05T02:08:18.987" v="785" actId="20577"/>
+        <pc:sldMkLst>
+          <pc:docMk/>
+          <pc:sldMk cId="2123571786" sldId="276"/>
+        </pc:sldMkLst>
+        <pc:spChg chg="add del mod">
+          <ac:chgData name="開都 服部" userId="4af3a946c9768cd3" providerId="LiveId" clId="{0984F369-5C7E-4A65-9A3D-92D046502409}" dt="2025-04-05T02:06:17.312" v="652" actId="478"/>
+          <ac:spMkLst>
+            <pc:docMk/>
+            <pc:sldMk cId="2123571786" sldId="276"/>
+            <ac:spMk id="4" creationId="{1FBAF87F-BE6D-BD78-5FC3-C24DA5369810}"/>
+          </ac:spMkLst>
+        </pc:spChg>
+        <pc:spChg chg="add del mod">
+          <ac:chgData name="開都 服部" userId="4af3a946c9768cd3" providerId="LiveId" clId="{0984F369-5C7E-4A65-9A3D-92D046502409}" dt="2025-04-05T02:06:13.738" v="651" actId="478"/>
+          <ac:spMkLst>
+            <pc:docMk/>
+            <pc:sldMk cId="2123571786" sldId="276"/>
+            <ac:spMk id="6" creationId="{ED6CAD90-62AF-CF62-B866-39D9ABBBDE9E}"/>
+          </ac:spMkLst>
+        </pc:spChg>
+        <pc:spChg chg="add del mod">
+          <ac:chgData name="開都 服部" userId="4af3a946c9768cd3" providerId="LiveId" clId="{0984F369-5C7E-4A65-9A3D-92D046502409}" dt="2025-04-05T02:06:11.013" v="650" actId="478"/>
+          <ac:spMkLst>
+            <pc:docMk/>
+            <pc:sldMk cId="2123571786" sldId="276"/>
+            <ac:spMk id="8" creationId="{A09DD024-0FFC-2C5B-D749-3D8CDC20116B}"/>
+          </ac:spMkLst>
+        </pc:spChg>
+        <pc:spChg chg="add mod">
+          <ac:chgData name="開都 服部" userId="4af3a946c9768cd3" providerId="LiveId" clId="{0984F369-5C7E-4A65-9A3D-92D046502409}" dt="2025-04-05T02:06:55.942" v="695" actId="20577"/>
+          <ac:spMkLst>
+            <pc:docMk/>
+            <pc:sldMk cId="2123571786" sldId="276"/>
+            <ac:spMk id="9" creationId="{A55F6E13-E161-01E4-6B83-21FA9DCF63F1}"/>
+          </ac:spMkLst>
+        </pc:spChg>
+        <pc:spChg chg="add mod">
+          <ac:chgData name="開都 服部" userId="4af3a946c9768cd3" providerId="LiveId" clId="{0984F369-5C7E-4A65-9A3D-92D046502409}" dt="2025-04-05T02:07:27.004" v="725" actId="20577"/>
+          <ac:spMkLst>
+            <pc:docMk/>
+            <pc:sldMk cId="2123571786" sldId="276"/>
+            <ac:spMk id="10" creationId="{C4A28758-2D53-D0F6-7EA5-37E76DCEAA40}"/>
+          </ac:spMkLst>
+        </pc:spChg>
+        <pc:spChg chg="add mod">
+          <ac:chgData name="開都 服部" userId="4af3a946c9768cd3" providerId="LiveId" clId="{0984F369-5C7E-4A65-9A3D-92D046502409}" dt="2025-04-05T02:07:39.971" v="742" actId="20577"/>
+          <ac:spMkLst>
+            <pc:docMk/>
+            <pc:sldMk cId="2123571786" sldId="276"/>
+            <ac:spMk id="11" creationId="{CBAFB674-D362-8B25-8183-47D7B8D49C1C}"/>
+          </ac:spMkLst>
+        </pc:spChg>
+        <pc:spChg chg="add mod">
+          <ac:chgData name="開都 服部" userId="4af3a946c9768cd3" providerId="LiveId" clId="{0984F369-5C7E-4A65-9A3D-92D046502409}" dt="2025-04-05T02:07:55.757" v="747" actId="20577"/>
+          <ac:spMkLst>
+            <pc:docMk/>
+            <pc:sldMk cId="2123571786" sldId="276"/>
+            <ac:spMk id="12" creationId="{13970528-7529-8875-25CE-27EC79AD1F62}"/>
+          </ac:spMkLst>
+        </pc:spChg>
+        <pc:spChg chg="add mod">
+          <ac:chgData name="開都 服部" userId="4af3a946c9768cd3" providerId="LiveId" clId="{0984F369-5C7E-4A65-9A3D-92D046502409}" dt="2025-04-05T02:08:05.843" v="757" actId="20577"/>
+          <ac:spMkLst>
+            <pc:docMk/>
+            <pc:sldMk cId="2123571786" sldId="276"/>
+            <ac:spMk id="13" creationId="{DA489889-134D-D616-BE62-2A7014AFC49C}"/>
+          </ac:spMkLst>
+        </pc:spChg>
+        <pc:spChg chg="add mod">
+          <ac:chgData name="開都 服部" userId="4af3a946c9768cd3" providerId="LiveId" clId="{0984F369-5C7E-4A65-9A3D-92D046502409}" dt="2025-04-05T02:08:18.987" v="785" actId="20577"/>
+          <ac:spMkLst>
+            <pc:docMk/>
+            <pc:sldMk cId="2123571786" sldId="276"/>
+            <ac:spMk id="14" creationId="{5D5EF740-A7D9-2B6A-DD28-59D17F839E04}"/>
+          </ac:spMkLst>
+        </pc:spChg>
+        <pc:picChg chg="del">
+          <ac:chgData name="開都 服部" userId="4af3a946c9768cd3" providerId="LiveId" clId="{0984F369-5C7E-4A65-9A3D-92D046502409}" dt="2025-04-05T02:05:30.815" v="636" actId="478"/>
+          <ac:picMkLst>
+            <pc:docMk/>
+            <pc:sldMk cId="2123571786" sldId="276"/>
+            <ac:picMk id="5" creationId="{08FE9A33-5D06-BF86-C378-0FCF7ED5948A}"/>
+          </ac:picMkLst>
+        </pc:picChg>
+        <pc:picChg chg="add mod">
+          <ac:chgData name="開都 服部" userId="4af3a946c9768cd3" providerId="LiveId" clId="{0984F369-5C7E-4A65-9A3D-92D046502409}" dt="2025-04-05T02:06:18.993" v="653" actId="1076"/>
+          <ac:picMkLst>
+            <pc:docMk/>
+            <pc:sldMk cId="2123571786" sldId="276"/>
+            <ac:picMk id="7" creationId="{F20E9846-D204-6490-448E-6EB6E8CD8130}"/>
+          </ac:picMkLst>
+        </pc:picChg>
+      </pc:sldChg>
+    </pc:docChg>
+  </pc:docChgLst>
+</pc:chgInfo>
 </file>
 
 <file path=ppt/notesMasters/notesMaster1.xml><?xml version="1.0" encoding="utf-8"?>
@@ -1741,7 +2024,7 @@
             </a:pPr>
             <a:fld id="{00000000-1234-1234-1234-123412341234}" type="slidenum">
               <a:rPr lang="en-US" altLang="ja-JP"/>
-              <a:t>10</a:t>
+              <a:t>15</a:t>
             </a:fld>
             <a:endParaRPr/>
           </a:p>
@@ -2073,7 +2356,7 @@
             </a:pPr>
             <a:fld id="{00000000-1234-1234-1234-123412341234}" type="slidenum">
               <a:rPr lang="en-US" altLang="ja-JP"/>
-              <a:t>12</a:t>
+              <a:t>17</a:t>
             </a:fld>
             <a:endParaRPr/>
           </a:p>
@@ -2346,7 +2629,7 @@
             </a:pPr>
             <a:fld id="{00000000-1234-1234-1234-123412341234}" type="slidenum">
               <a:rPr lang="en-US" altLang="ja-JP"/>
-              <a:t>15</a:t>
+              <a:t>20</a:t>
             </a:fld>
             <a:endParaRPr/>
           </a:p>
@@ -2730,7 +3013,7 @@
             </a:pPr>
             <a:fld id="{00000000-1234-1234-1234-123412341234}" type="slidenum">
               <a:rPr lang="en-US" altLang="ja-JP"/>
-              <a:t>4</a:t>
+              <a:t>9</a:t>
             </a:fld>
             <a:endParaRPr/>
           </a:p>
@@ -3057,7 +3340,7 @@
             </a:pPr>
             <a:fld id="{00000000-1234-1234-1234-123412341234}" type="slidenum">
               <a:rPr lang="en-US" altLang="ja-JP"/>
-              <a:t>6</a:t>
+              <a:t>11</a:t>
             </a:fld>
             <a:endParaRPr/>
           </a:p>
@@ -3389,7 +3672,7 @@
             </a:pPr>
             <a:fld id="{00000000-1234-1234-1234-123412341234}" type="slidenum">
               <a:rPr lang="en-US" altLang="ja-JP"/>
-              <a:t>8</a:t>
+              <a:t>13</a:t>
             </a:fld>
             <a:endParaRPr/>
           </a:p>
@@ -11438,6 +11721,1331 @@
   <p:cSld>
     <p:spTree>
       <p:nvGrpSpPr>
+        <p:cNvPr id="1" name="Shape 84">
+          <a:extLst>
+            <a:ext uri="{FF2B5EF4-FFF2-40B4-BE49-F238E27FC236}">
+              <a16:creationId xmlns:a16="http://schemas.microsoft.com/office/drawing/2014/main" id="{D91BFF67-46B7-F4B4-5EED-03158A018E44}"/>
+            </a:ext>
+          </a:extLst>
+        </p:cNvPr>
+        <p:cNvGrpSpPr/>
+        <p:nvPr/>
+      </p:nvGrpSpPr>
+      <p:grpSpPr>
+        <a:xfrm>
+          <a:off x="0" y="0"/>
+          <a:ext cx="0" cy="0"/>
+          <a:chOff x="0" y="0"/>
+          <a:chExt cx="0" cy="0"/>
+        </a:xfrm>
+      </p:grpSpPr>
+      <p:sp>
+        <p:nvSpPr>
+          <p:cNvPr id="85" name="Google Shape;85;p11">
+            <a:extLst>
+              <a:ext uri="{FF2B5EF4-FFF2-40B4-BE49-F238E27FC236}">
+                <a16:creationId xmlns:a16="http://schemas.microsoft.com/office/drawing/2014/main" id="{A1D7C270-E05A-4FF2-A9A2-74002B197D0E}"/>
+              </a:ext>
+            </a:extLst>
+          </p:cNvPr>
+          <p:cNvSpPr txBox="1">
+            <a:spLocks noGrp="1"/>
+          </p:cNvSpPr>
+          <p:nvPr>
+            <p:ph type="title"/>
+          </p:nvPr>
+        </p:nvSpPr>
+        <p:spPr>
+          <a:xfrm>
+            <a:off x="831850" y="1709738"/>
+            <a:ext cx="9679477" cy="2852737"/>
+          </a:xfrm>
+          <a:prstGeom prst="rect">
+            <a:avLst/>
+          </a:prstGeom>
+          <a:noFill/>
+          <a:ln>
+            <a:noFill/>
+          </a:ln>
+        </p:spPr>
+        <p:txBody>
+          <a:bodyPr spcFirstLastPara="1" wrap="square" lIns="91425" tIns="45700" rIns="91425" bIns="45700" anchor="b" anchorCtr="0">
+            <a:normAutofit fontScale="90000"/>
+          </a:bodyPr>
+          <a:lstStyle/>
+          <a:p>
+            <a:r>
+              <a:rPr lang="en-US" altLang="ja-JP" sz="6000" b="0" i="0" u="none" strike="noStrike" cap="none" dirty="0">
+                <a:solidFill>
+                  <a:schemeClr val="dk1"/>
+                </a:solidFill>
+                <a:latin typeface="Calibri"/>
+                <a:ea typeface="Calibri"/>
+                <a:cs typeface="Calibri"/>
+                <a:sym typeface="Calibri"/>
+              </a:rPr>
+              <a:t>2. LED</a:t>
+            </a:r>
+            <a:r>
+              <a:rPr lang="ja-JP" altLang="en-US" sz="6000" b="0" i="0" u="none" strike="noStrike" cap="none" dirty="0">
+                <a:solidFill>
+                  <a:schemeClr val="dk1"/>
+                </a:solidFill>
+                <a:latin typeface="Calibri"/>
+                <a:ea typeface="Calibri"/>
+                <a:cs typeface="Calibri"/>
+                <a:sym typeface="Calibri"/>
+              </a:rPr>
+              <a:t>をピカピカ光らせよう！</a:t>
+            </a:r>
+            <a:br>
+              <a:rPr lang="en-US" altLang="ja-JP" sz="6000" b="0" i="0" u="none" strike="noStrike" cap="none" dirty="0">
+                <a:solidFill>
+                  <a:schemeClr val="dk1"/>
+                </a:solidFill>
+                <a:latin typeface="Calibri"/>
+                <a:ea typeface="Calibri"/>
+                <a:cs typeface="Calibri"/>
+                <a:sym typeface="Calibri"/>
+              </a:rPr>
+            </a:br>
+            <a:br>
+              <a:rPr lang="en-US" altLang="ja-JP" sz="6000" b="0" i="0" u="none" strike="noStrike" cap="none" dirty="0">
+                <a:solidFill>
+                  <a:schemeClr val="dk1"/>
+                </a:solidFill>
+                <a:latin typeface="Calibri"/>
+                <a:ea typeface="Calibri"/>
+                <a:cs typeface="Calibri"/>
+                <a:sym typeface="Calibri"/>
+              </a:rPr>
+            </a:br>
+            <a:endParaRPr dirty="0"/>
+          </a:p>
+        </p:txBody>
+      </p:sp>
+      <p:sp>
+        <p:nvSpPr>
+          <p:cNvPr id="86" name="Google Shape;86;p11">
+            <a:extLst>
+              <a:ext uri="{FF2B5EF4-FFF2-40B4-BE49-F238E27FC236}">
+                <a16:creationId xmlns:a16="http://schemas.microsoft.com/office/drawing/2014/main" id="{D6B54DED-EA08-9CF6-FB33-81D4BF8068DD}"/>
+              </a:ext>
+            </a:extLst>
+          </p:cNvPr>
+          <p:cNvSpPr txBox="1">
+            <a:spLocks noGrp="1"/>
+          </p:cNvSpPr>
+          <p:nvPr>
+            <p:ph type="body" idx="1"/>
+          </p:nvPr>
+        </p:nvSpPr>
+        <p:spPr>
+          <a:xfrm>
+            <a:off x="831850" y="4786017"/>
+            <a:ext cx="10515600" cy="1500187"/>
+          </a:xfrm>
+          <a:prstGeom prst="rect">
+            <a:avLst/>
+          </a:prstGeom>
+          <a:noFill/>
+          <a:ln>
+            <a:noFill/>
+          </a:ln>
+        </p:spPr>
+        <p:txBody>
+          <a:bodyPr spcFirstLastPara="1" wrap="square" lIns="91425" tIns="45700" rIns="91425" bIns="45700" anchor="t" anchorCtr="0">
+            <a:normAutofit/>
+          </a:bodyPr>
+          <a:lstStyle/>
+          <a:p>
+            <a:pPr marL="0" lvl="0" indent="0" algn="l" rtl="0">
+              <a:lnSpc>
+                <a:spcPct val="90000"/>
+              </a:lnSpc>
+              <a:spcBef>
+                <a:spcPts val="0"/>
+              </a:spcBef>
+              <a:spcAft>
+                <a:spcPts val="0"/>
+              </a:spcAft>
+              <a:buClr>
+                <a:srgbClr val="888888"/>
+              </a:buClr>
+              <a:buSzPts val="2400"/>
+              <a:buNone/>
+            </a:pPr>
+            <a:endParaRPr/>
+          </a:p>
+        </p:txBody>
+      </p:sp>
+    </p:spTree>
+    <p:extLst>
+      <p:ext uri="{BB962C8B-B14F-4D97-AF65-F5344CB8AC3E}">
+        <p14:creationId xmlns:p14="http://schemas.microsoft.com/office/powerpoint/2010/main" val="2853473715"/>
+      </p:ext>
+    </p:extLst>
+  </p:cSld>
+  <p:clrMapOvr>
+    <a:masterClrMapping/>
+  </p:clrMapOvr>
+</p:sld>
+</file>
+
+<file path=ppt/slides/slide11.xml><?xml version="1.0" encoding="utf-8"?>
+<p:sld xmlns:a="http://schemas.openxmlformats.org/drawingml/2006/main" xmlns:r="http://schemas.openxmlformats.org/officeDocument/2006/relationships" xmlns:p="http://schemas.openxmlformats.org/presentationml/2006/main">
+  <p:cSld>
+    <p:spTree>
+      <p:nvGrpSpPr>
+        <p:cNvPr id="1" name="Shape 91">
+          <a:extLst>
+            <a:ext uri="{FF2B5EF4-FFF2-40B4-BE49-F238E27FC236}">
+              <a16:creationId xmlns:a16="http://schemas.microsoft.com/office/drawing/2014/main" id="{3191CF08-8B44-E710-CA0E-3949AAB13305}"/>
+            </a:ext>
+          </a:extLst>
+        </p:cNvPr>
+        <p:cNvGrpSpPr/>
+        <p:nvPr/>
+      </p:nvGrpSpPr>
+      <p:grpSpPr>
+        <a:xfrm>
+          <a:off x="0" y="0"/>
+          <a:ext cx="0" cy="0"/>
+          <a:chOff x="0" y="0"/>
+          <a:chExt cx="0" cy="0"/>
+        </a:xfrm>
+      </p:grpSpPr>
+      <p:sp>
+        <p:nvSpPr>
+          <p:cNvPr id="92" name="Google Shape;92;p12">
+            <a:extLst>
+              <a:ext uri="{FF2B5EF4-FFF2-40B4-BE49-F238E27FC236}">
+                <a16:creationId xmlns:a16="http://schemas.microsoft.com/office/drawing/2014/main" id="{C29A0D31-B95B-156F-D422-B3D6C211337D}"/>
+              </a:ext>
+            </a:extLst>
+          </p:cNvPr>
+          <p:cNvSpPr txBox="1">
+            <a:spLocks noGrp="1"/>
+          </p:cNvSpPr>
+          <p:nvPr>
+            <p:ph type="title"/>
+          </p:nvPr>
+        </p:nvSpPr>
+        <p:spPr>
+          <a:xfrm>
+            <a:off x="0" y="4505"/>
+            <a:ext cx="9272187" cy="1017646"/>
+          </a:xfrm>
+          <a:prstGeom prst="rect">
+            <a:avLst/>
+          </a:prstGeom>
+          <a:noFill/>
+          <a:ln>
+            <a:noFill/>
+          </a:ln>
+        </p:spPr>
+        <p:txBody>
+          <a:bodyPr spcFirstLastPara="1" wrap="square" lIns="91425" tIns="45700" rIns="91425" bIns="45700" anchor="ctr" anchorCtr="0">
+            <a:normAutofit/>
+          </a:bodyPr>
+          <a:lstStyle/>
+          <a:p>
+            <a:pPr marL="635000" marR="0" lvl="1" algn="l" rtl="0">
+              <a:lnSpc>
+                <a:spcPct val="90000"/>
+              </a:lnSpc>
+              <a:spcBef>
+                <a:spcPts val="500"/>
+              </a:spcBef>
+              <a:spcAft>
+                <a:spcPts val="0"/>
+              </a:spcAft>
+              <a:buClr>
+                <a:schemeClr val="dk1"/>
+              </a:buClr>
+              <a:buSzPts val="2800"/>
+            </a:pPr>
+            <a:r>
+              <a:rPr lang="en-US" altLang="ja-JP" sz="4000" b="0" i="0" u="none" strike="noStrike" cap="none" dirty="0">
+                <a:solidFill>
+                  <a:schemeClr val="dk1"/>
+                </a:solidFill>
+                <a:latin typeface="Calibri"/>
+                <a:ea typeface="Calibri"/>
+                <a:cs typeface="Calibri"/>
+                <a:sym typeface="Calibri"/>
+              </a:rPr>
+              <a:t>2. LED</a:t>
+            </a:r>
+            <a:r>
+              <a:rPr lang="ja-JP" altLang="en-US" sz="4000" b="0" i="0" u="none" strike="noStrike" cap="none" dirty="0">
+                <a:solidFill>
+                  <a:schemeClr val="dk1"/>
+                </a:solidFill>
+                <a:latin typeface="Calibri"/>
+                <a:ea typeface="Calibri"/>
+                <a:cs typeface="Calibri"/>
+                <a:sym typeface="Calibri"/>
+              </a:rPr>
+              <a:t>をピカピカ光らせよう！</a:t>
+            </a:r>
+            <a:endParaRPr lang="en-US" altLang="ja-JP" sz="4000" b="0" i="0" u="none" strike="noStrike" cap="none" dirty="0">
+              <a:solidFill>
+                <a:schemeClr val="dk1"/>
+              </a:solidFill>
+              <a:latin typeface="Calibri"/>
+              <a:ea typeface="Calibri"/>
+              <a:cs typeface="Calibri"/>
+              <a:sym typeface="Calibri"/>
+            </a:endParaRPr>
+          </a:p>
+        </p:txBody>
+      </p:sp>
+      <p:sp>
+        <p:nvSpPr>
+          <p:cNvPr id="93" name="Google Shape;93;p12">
+            <a:extLst>
+              <a:ext uri="{FF2B5EF4-FFF2-40B4-BE49-F238E27FC236}">
+                <a16:creationId xmlns:a16="http://schemas.microsoft.com/office/drawing/2014/main" id="{A5B0592A-99A5-0B89-3A06-6C4B934AB07B}"/>
+              </a:ext>
+            </a:extLst>
+          </p:cNvPr>
+          <p:cNvSpPr txBox="1">
+            <a:spLocks noGrp="1"/>
+          </p:cNvSpPr>
+          <p:nvPr>
+            <p:ph type="body" idx="1"/>
+          </p:nvPr>
+        </p:nvSpPr>
+        <p:spPr>
+          <a:xfrm>
+            <a:off x="427383" y="1487227"/>
+            <a:ext cx="10515600" cy="5232549"/>
+          </a:xfrm>
+          <a:prstGeom prst="rect">
+            <a:avLst/>
+          </a:prstGeom>
+          <a:noFill/>
+          <a:ln>
+            <a:noFill/>
+          </a:ln>
+        </p:spPr>
+        <p:txBody>
+          <a:bodyPr spcFirstLastPara="1" wrap="square" lIns="91425" tIns="45700" rIns="91425" bIns="45700" anchor="t" anchorCtr="0">
+            <a:normAutofit lnSpcReduction="10000"/>
+          </a:bodyPr>
+          <a:lstStyle/>
+          <a:p>
+            <a:pPr marL="0" lvl="0" indent="0" algn="l" rtl="0">
+              <a:lnSpc>
+                <a:spcPct val="90000"/>
+              </a:lnSpc>
+              <a:spcBef>
+                <a:spcPts val="0"/>
+              </a:spcBef>
+              <a:spcAft>
+                <a:spcPts val="0"/>
+              </a:spcAft>
+              <a:buClr>
+                <a:schemeClr val="dk1"/>
+              </a:buClr>
+              <a:buSzPts val="2400"/>
+              <a:buNone/>
+            </a:pPr>
+            <a:r>
+              <a:rPr lang="ja-JP" sz="2400" dirty="0"/>
+              <a:t>平文は24 pt　前後を目安にする</a:t>
+            </a:r>
+            <a:endParaRPr sz="2400" dirty="0"/>
+          </a:p>
+          <a:p>
+            <a:pPr marL="0" lvl="0" indent="0" algn="l" rtl="0">
+              <a:lnSpc>
+                <a:spcPct val="90000"/>
+              </a:lnSpc>
+              <a:spcBef>
+                <a:spcPts val="1000"/>
+              </a:spcBef>
+              <a:spcAft>
+                <a:spcPts val="0"/>
+              </a:spcAft>
+              <a:buClr>
+                <a:schemeClr val="dk1"/>
+              </a:buClr>
+              <a:buSzPts val="2400"/>
+              <a:buNone/>
+            </a:pPr>
+            <a:endParaRPr sz="2400" dirty="0"/>
+          </a:p>
+          <a:p>
+            <a:pPr marL="0" lvl="0" indent="0" algn="l" rtl="0">
+              <a:lnSpc>
+                <a:spcPct val="90000"/>
+              </a:lnSpc>
+              <a:spcBef>
+                <a:spcPts val="1000"/>
+              </a:spcBef>
+              <a:spcAft>
+                <a:spcPts val="0"/>
+              </a:spcAft>
+              <a:buClr>
+                <a:schemeClr val="dk1"/>
+              </a:buClr>
+              <a:buSzPts val="2400"/>
+              <a:buNone/>
+            </a:pPr>
+            <a:r>
+              <a:rPr lang="ja-JP" sz="2400" dirty="0"/>
+              <a:t>アニメーションはフェード程度にとどめる</a:t>
+            </a:r>
+            <a:endParaRPr sz="2400" dirty="0"/>
+          </a:p>
+          <a:p>
+            <a:pPr marL="0" lvl="0" indent="0" algn="l" rtl="0">
+              <a:lnSpc>
+                <a:spcPct val="90000"/>
+              </a:lnSpc>
+              <a:spcBef>
+                <a:spcPts val="1000"/>
+              </a:spcBef>
+              <a:spcAft>
+                <a:spcPts val="0"/>
+              </a:spcAft>
+              <a:buClr>
+                <a:schemeClr val="dk1"/>
+              </a:buClr>
+              <a:buSzPts val="2400"/>
+              <a:buNone/>
+            </a:pPr>
+            <a:r>
+              <a:rPr lang="ja-JP" sz="2400" dirty="0"/>
+              <a:t>（必要があれば他にも使ってOK）</a:t>
+            </a:r>
+            <a:endParaRPr sz="2400" dirty="0"/>
+          </a:p>
+          <a:p>
+            <a:pPr marL="0" lvl="0" indent="0" algn="l" rtl="0">
+              <a:lnSpc>
+                <a:spcPct val="90000"/>
+              </a:lnSpc>
+              <a:spcBef>
+                <a:spcPts val="1000"/>
+              </a:spcBef>
+              <a:spcAft>
+                <a:spcPts val="0"/>
+              </a:spcAft>
+              <a:buClr>
+                <a:schemeClr val="dk1"/>
+              </a:buClr>
+              <a:buSzPts val="2400"/>
+              <a:buNone/>
+            </a:pPr>
+            <a:endParaRPr sz="2400" dirty="0"/>
+          </a:p>
+          <a:p>
+            <a:pPr marL="0" lvl="0" indent="0" algn="l" rtl="0">
+              <a:lnSpc>
+                <a:spcPct val="90000"/>
+              </a:lnSpc>
+              <a:spcBef>
+                <a:spcPts val="1000"/>
+              </a:spcBef>
+              <a:spcAft>
+                <a:spcPts val="0"/>
+              </a:spcAft>
+              <a:buClr>
+                <a:schemeClr val="dk1"/>
+              </a:buClr>
+              <a:buSzPts val="2400"/>
+              <a:buNone/>
+            </a:pPr>
+            <a:r>
+              <a:rPr lang="ja-JP" sz="2400" b="1" u="sng" dirty="0"/>
+              <a:t>強調</a:t>
+            </a:r>
+            <a:r>
+              <a:rPr lang="ja-JP" sz="2400" dirty="0"/>
+              <a:t>は多用しすぎない（色使ってもOK）</a:t>
+            </a:r>
+            <a:endParaRPr sz="2400" dirty="0"/>
+          </a:p>
+          <a:p>
+            <a:pPr marL="0" lvl="0" indent="0" algn="l" rtl="0">
+              <a:lnSpc>
+                <a:spcPct val="90000"/>
+              </a:lnSpc>
+              <a:spcBef>
+                <a:spcPts val="1000"/>
+              </a:spcBef>
+              <a:spcAft>
+                <a:spcPts val="0"/>
+              </a:spcAft>
+              <a:buClr>
+                <a:schemeClr val="dk1"/>
+              </a:buClr>
+              <a:buSzPts val="2400"/>
+              <a:buNone/>
+            </a:pPr>
+            <a:endParaRPr sz="2400" dirty="0"/>
+          </a:p>
+          <a:p>
+            <a:pPr marL="0" lvl="0" indent="0" algn="l" rtl="0">
+              <a:lnSpc>
+                <a:spcPct val="90000"/>
+              </a:lnSpc>
+              <a:spcBef>
+                <a:spcPts val="1000"/>
+              </a:spcBef>
+              <a:spcAft>
+                <a:spcPts val="0"/>
+              </a:spcAft>
+              <a:buClr>
+                <a:schemeClr val="dk1"/>
+              </a:buClr>
+              <a:buSzPts val="2400"/>
+              <a:buNone/>
+            </a:pPr>
+            <a:r>
+              <a:rPr lang="ja-JP" sz="2400" dirty="0"/>
+              <a:t>部内のみでの使用を前提に引用等は厳格にしなくてよいものとする</a:t>
+            </a:r>
+            <a:endParaRPr sz="2400" dirty="0"/>
+          </a:p>
+          <a:p>
+            <a:pPr marL="0" lvl="0" indent="0" algn="l" rtl="0">
+              <a:lnSpc>
+                <a:spcPct val="90000"/>
+              </a:lnSpc>
+              <a:spcBef>
+                <a:spcPts val="1000"/>
+              </a:spcBef>
+              <a:spcAft>
+                <a:spcPts val="0"/>
+              </a:spcAft>
+              <a:buClr>
+                <a:schemeClr val="dk1"/>
+              </a:buClr>
+              <a:buSzPts val="2400"/>
+              <a:buNone/>
+            </a:pPr>
+            <a:endParaRPr sz="2400" dirty="0"/>
+          </a:p>
+          <a:p>
+            <a:pPr marL="0" lvl="0" indent="0" algn="l" rtl="0">
+              <a:lnSpc>
+                <a:spcPct val="90000"/>
+              </a:lnSpc>
+              <a:spcBef>
+                <a:spcPts val="1000"/>
+              </a:spcBef>
+              <a:spcAft>
+                <a:spcPts val="0"/>
+              </a:spcAft>
+              <a:buClr>
+                <a:schemeClr val="dk1"/>
+              </a:buClr>
+              <a:buSzPts val="2400"/>
+              <a:buNone/>
+            </a:pPr>
+            <a:r>
+              <a:rPr lang="ja-JP" sz="2400" dirty="0"/>
+              <a:t>画像を多く使い理解しやすいように</a:t>
+            </a:r>
+            <a:endParaRPr sz="2400" dirty="0"/>
+          </a:p>
+          <a:p>
+            <a:pPr marL="0" lvl="0" indent="0" algn="l" rtl="0">
+              <a:lnSpc>
+                <a:spcPct val="90000"/>
+              </a:lnSpc>
+              <a:spcBef>
+                <a:spcPts val="1000"/>
+              </a:spcBef>
+              <a:spcAft>
+                <a:spcPts val="0"/>
+              </a:spcAft>
+              <a:buClr>
+                <a:schemeClr val="dk1"/>
+              </a:buClr>
+              <a:buSzPts val="2400"/>
+              <a:buNone/>
+            </a:pPr>
+            <a:endParaRPr sz="2400" dirty="0"/>
+          </a:p>
+          <a:p>
+            <a:pPr marL="0" lvl="0" indent="0" algn="l" rtl="0">
+              <a:lnSpc>
+                <a:spcPct val="90000"/>
+              </a:lnSpc>
+              <a:spcBef>
+                <a:spcPts val="1000"/>
+              </a:spcBef>
+              <a:spcAft>
+                <a:spcPts val="0"/>
+              </a:spcAft>
+              <a:buClr>
+                <a:schemeClr val="dk1"/>
+              </a:buClr>
+              <a:buSzPts val="2400"/>
+              <a:buNone/>
+            </a:pPr>
+            <a:r>
+              <a:rPr lang="ja-JP" sz="2400" dirty="0"/>
+              <a:t>話す内容はノートにしっかり書く（話す人は代々変わっていくので）</a:t>
+            </a:r>
+            <a:endParaRPr sz="2400" dirty="0"/>
+          </a:p>
+        </p:txBody>
+      </p:sp>
+    </p:spTree>
+    <p:extLst>
+      <p:ext uri="{BB962C8B-B14F-4D97-AF65-F5344CB8AC3E}">
+        <p14:creationId xmlns:p14="http://schemas.microsoft.com/office/powerpoint/2010/main" val="2704095963"/>
+      </p:ext>
+    </p:extLst>
+  </p:cSld>
+  <p:clrMapOvr>
+    <a:masterClrMapping/>
+  </p:clrMapOvr>
+</p:sld>
+</file>
+
+<file path=ppt/slides/slide12.xml><?xml version="1.0" encoding="utf-8"?>
+<p:sld xmlns:a="http://schemas.openxmlformats.org/drawingml/2006/main" xmlns:r="http://schemas.openxmlformats.org/officeDocument/2006/relationships" xmlns:p="http://schemas.openxmlformats.org/presentationml/2006/main">
+  <p:cSld>
+    <p:spTree>
+      <p:nvGrpSpPr>
+        <p:cNvPr id="1" name="Shape 84">
+          <a:extLst>
+            <a:ext uri="{FF2B5EF4-FFF2-40B4-BE49-F238E27FC236}">
+              <a16:creationId xmlns:a16="http://schemas.microsoft.com/office/drawing/2014/main" id="{63251945-9597-8E70-D184-1D1E62C9A41E}"/>
+            </a:ext>
+          </a:extLst>
+        </p:cNvPr>
+        <p:cNvGrpSpPr/>
+        <p:nvPr/>
+      </p:nvGrpSpPr>
+      <p:grpSpPr>
+        <a:xfrm>
+          <a:off x="0" y="0"/>
+          <a:ext cx="0" cy="0"/>
+          <a:chOff x="0" y="0"/>
+          <a:chExt cx="0" cy="0"/>
+        </a:xfrm>
+      </p:grpSpPr>
+      <p:sp>
+        <p:nvSpPr>
+          <p:cNvPr id="85" name="Google Shape;85;p11">
+            <a:extLst>
+              <a:ext uri="{FF2B5EF4-FFF2-40B4-BE49-F238E27FC236}">
+                <a16:creationId xmlns:a16="http://schemas.microsoft.com/office/drawing/2014/main" id="{A3C4FDD1-0DB3-8692-6CF9-3AB19D582008}"/>
+              </a:ext>
+            </a:extLst>
+          </p:cNvPr>
+          <p:cNvSpPr txBox="1">
+            <a:spLocks noGrp="1"/>
+          </p:cNvSpPr>
+          <p:nvPr>
+            <p:ph type="title"/>
+          </p:nvPr>
+        </p:nvSpPr>
+        <p:spPr>
+          <a:xfrm>
+            <a:off x="831850" y="1709738"/>
+            <a:ext cx="9679477" cy="2852737"/>
+          </a:xfrm>
+          <a:prstGeom prst="rect">
+            <a:avLst/>
+          </a:prstGeom>
+          <a:noFill/>
+          <a:ln>
+            <a:noFill/>
+          </a:ln>
+        </p:spPr>
+        <p:txBody>
+          <a:bodyPr spcFirstLastPara="1" wrap="square" lIns="91425" tIns="45700" rIns="91425" bIns="45700" anchor="b" anchorCtr="0">
+            <a:normAutofit/>
+          </a:bodyPr>
+          <a:lstStyle/>
+          <a:p>
+            <a:r>
+              <a:rPr lang="en-US" altLang="ja-JP" sz="6000" b="0" i="0" u="none" strike="noStrike" cap="none" dirty="0">
+                <a:solidFill>
+                  <a:schemeClr val="dk1"/>
+                </a:solidFill>
+                <a:latin typeface="Calibri"/>
+                <a:ea typeface="Calibri"/>
+                <a:cs typeface="Calibri"/>
+                <a:sym typeface="Calibri"/>
+              </a:rPr>
+              <a:t>3. </a:t>
+            </a:r>
+            <a:r>
+              <a:rPr lang="ja-JP" altLang="en-US" sz="6000" b="0" i="0" u="none" strike="noStrike" cap="none" dirty="0">
+                <a:solidFill>
+                  <a:schemeClr val="dk1"/>
+                </a:solidFill>
+                <a:latin typeface="Calibri"/>
+                <a:ea typeface="Calibri"/>
+                <a:cs typeface="Calibri"/>
+                <a:sym typeface="Calibri"/>
+              </a:rPr>
+              <a:t>７セグを光らせて数字を表示させてみよう！</a:t>
+            </a:r>
+            <a:br>
+              <a:rPr lang="en-US" altLang="ja-JP" sz="6000" b="0" i="0" u="none" strike="noStrike" cap="none" dirty="0">
+                <a:solidFill>
+                  <a:schemeClr val="dk1"/>
+                </a:solidFill>
+                <a:latin typeface="Calibri"/>
+                <a:ea typeface="Calibri"/>
+                <a:cs typeface="Calibri"/>
+                <a:sym typeface="Calibri"/>
+              </a:rPr>
+            </a:br>
+            <a:endParaRPr dirty="0"/>
+          </a:p>
+        </p:txBody>
+      </p:sp>
+      <p:sp>
+        <p:nvSpPr>
+          <p:cNvPr id="86" name="Google Shape;86;p11">
+            <a:extLst>
+              <a:ext uri="{FF2B5EF4-FFF2-40B4-BE49-F238E27FC236}">
+                <a16:creationId xmlns:a16="http://schemas.microsoft.com/office/drawing/2014/main" id="{FD1D91CC-DB5B-4736-E5AA-C37AA6CF5B65}"/>
+              </a:ext>
+            </a:extLst>
+          </p:cNvPr>
+          <p:cNvSpPr txBox="1">
+            <a:spLocks noGrp="1"/>
+          </p:cNvSpPr>
+          <p:nvPr>
+            <p:ph type="body" idx="1"/>
+          </p:nvPr>
+        </p:nvSpPr>
+        <p:spPr>
+          <a:xfrm>
+            <a:off x="831850" y="4786017"/>
+            <a:ext cx="10515600" cy="1500187"/>
+          </a:xfrm>
+          <a:prstGeom prst="rect">
+            <a:avLst/>
+          </a:prstGeom>
+          <a:noFill/>
+          <a:ln>
+            <a:noFill/>
+          </a:ln>
+        </p:spPr>
+        <p:txBody>
+          <a:bodyPr spcFirstLastPara="1" wrap="square" lIns="91425" tIns="45700" rIns="91425" bIns="45700" anchor="t" anchorCtr="0">
+            <a:normAutofit/>
+          </a:bodyPr>
+          <a:lstStyle/>
+          <a:p>
+            <a:pPr marL="0" lvl="0" indent="0" algn="l" rtl="0">
+              <a:lnSpc>
+                <a:spcPct val="90000"/>
+              </a:lnSpc>
+              <a:spcBef>
+                <a:spcPts val="0"/>
+              </a:spcBef>
+              <a:spcAft>
+                <a:spcPts val="0"/>
+              </a:spcAft>
+              <a:buClr>
+                <a:srgbClr val="888888"/>
+              </a:buClr>
+              <a:buSzPts val="2400"/>
+              <a:buNone/>
+            </a:pPr>
+            <a:endParaRPr/>
+          </a:p>
+        </p:txBody>
+      </p:sp>
+    </p:spTree>
+    <p:extLst>
+      <p:ext uri="{BB962C8B-B14F-4D97-AF65-F5344CB8AC3E}">
+        <p14:creationId xmlns:p14="http://schemas.microsoft.com/office/powerpoint/2010/main" val="2640005174"/>
+      </p:ext>
+    </p:extLst>
+  </p:cSld>
+  <p:clrMapOvr>
+    <a:masterClrMapping/>
+  </p:clrMapOvr>
+</p:sld>
+</file>
+
+<file path=ppt/slides/slide13.xml><?xml version="1.0" encoding="utf-8"?>
+<p:sld xmlns:a="http://schemas.openxmlformats.org/drawingml/2006/main" xmlns:r="http://schemas.openxmlformats.org/officeDocument/2006/relationships" xmlns:p="http://schemas.openxmlformats.org/presentationml/2006/main">
+  <p:cSld>
+    <p:spTree>
+      <p:nvGrpSpPr>
+        <p:cNvPr id="1" name="Shape 91">
+          <a:extLst>
+            <a:ext uri="{FF2B5EF4-FFF2-40B4-BE49-F238E27FC236}">
+              <a16:creationId xmlns:a16="http://schemas.microsoft.com/office/drawing/2014/main" id="{C6924A68-81DB-A890-8770-8326811E288C}"/>
+            </a:ext>
+          </a:extLst>
+        </p:cNvPr>
+        <p:cNvGrpSpPr/>
+        <p:nvPr/>
+      </p:nvGrpSpPr>
+      <p:grpSpPr>
+        <a:xfrm>
+          <a:off x="0" y="0"/>
+          <a:ext cx="0" cy="0"/>
+          <a:chOff x="0" y="0"/>
+          <a:chExt cx="0" cy="0"/>
+        </a:xfrm>
+      </p:grpSpPr>
+      <p:sp>
+        <p:nvSpPr>
+          <p:cNvPr id="92" name="Google Shape;92;p12">
+            <a:extLst>
+              <a:ext uri="{FF2B5EF4-FFF2-40B4-BE49-F238E27FC236}">
+                <a16:creationId xmlns:a16="http://schemas.microsoft.com/office/drawing/2014/main" id="{EA8DEFD2-57F0-C18E-D425-E53FB587AB17}"/>
+              </a:ext>
+            </a:extLst>
+          </p:cNvPr>
+          <p:cNvSpPr txBox="1">
+            <a:spLocks noGrp="1"/>
+          </p:cNvSpPr>
+          <p:nvPr>
+            <p:ph type="title"/>
+          </p:nvPr>
+        </p:nvSpPr>
+        <p:spPr>
+          <a:xfrm>
+            <a:off x="0" y="4505"/>
+            <a:ext cx="9272187" cy="1017646"/>
+          </a:xfrm>
+          <a:prstGeom prst="rect">
+            <a:avLst/>
+          </a:prstGeom>
+          <a:noFill/>
+          <a:ln>
+            <a:noFill/>
+          </a:ln>
+        </p:spPr>
+        <p:txBody>
+          <a:bodyPr spcFirstLastPara="1" wrap="square" lIns="91425" tIns="45700" rIns="91425" bIns="45700" anchor="ctr" anchorCtr="0">
+            <a:normAutofit fontScale="90000"/>
+          </a:bodyPr>
+          <a:lstStyle/>
+          <a:p>
+            <a:pPr marL="635000" marR="0" lvl="1" algn="l" rtl="0">
+              <a:lnSpc>
+                <a:spcPct val="90000"/>
+              </a:lnSpc>
+              <a:spcBef>
+                <a:spcPts val="500"/>
+              </a:spcBef>
+              <a:spcAft>
+                <a:spcPts val="0"/>
+              </a:spcAft>
+              <a:buClr>
+                <a:schemeClr val="dk1"/>
+              </a:buClr>
+              <a:buSzPts val="2800"/>
+            </a:pPr>
+            <a:r>
+              <a:rPr lang="en-US" altLang="ja-JP" sz="4000" b="0" i="0" u="none" strike="noStrike" cap="none" dirty="0">
+                <a:solidFill>
+                  <a:schemeClr val="dk1"/>
+                </a:solidFill>
+                <a:latin typeface="Calibri"/>
+                <a:ea typeface="Calibri"/>
+                <a:cs typeface="Calibri"/>
+                <a:sym typeface="Calibri"/>
+              </a:rPr>
+              <a:t>3. </a:t>
+            </a:r>
+            <a:r>
+              <a:rPr lang="ja-JP" altLang="en-US" sz="4000" b="0" i="0" u="none" strike="noStrike" cap="none" dirty="0">
+                <a:solidFill>
+                  <a:schemeClr val="dk1"/>
+                </a:solidFill>
+                <a:latin typeface="Calibri"/>
+                <a:ea typeface="Calibri"/>
+                <a:cs typeface="Calibri"/>
+                <a:sym typeface="Calibri"/>
+              </a:rPr>
+              <a:t>７セグを光らせて数字を表示させてみよう！</a:t>
+            </a:r>
+          </a:p>
+        </p:txBody>
+      </p:sp>
+      <p:sp>
+        <p:nvSpPr>
+          <p:cNvPr id="93" name="Google Shape;93;p12">
+            <a:extLst>
+              <a:ext uri="{FF2B5EF4-FFF2-40B4-BE49-F238E27FC236}">
+                <a16:creationId xmlns:a16="http://schemas.microsoft.com/office/drawing/2014/main" id="{82A26A2D-158D-3A6C-FDF7-95CFCCD50A18}"/>
+              </a:ext>
+            </a:extLst>
+          </p:cNvPr>
+          <p:cNvSpPr txBox="1">
+            <a:spLocks noGrp="1"/>
+          </p:cNvSpPr>
+          <p:nvPr>
+            <p:ph type="body" idx="1"/>
+          </p:nvPr>
+        </p:nvSpPr>
+        <p:spPr>
+          <a:xfrm>
+            <a:off x="427383" y="1487227"/>
+            <a:ext cx="10515600" cy="5232549"/>
+          </a:xfrm>
+          <a:prstGeom prst="rect">
+            <a:avLst/>
+          </a:prstGeom>
+          <a:noFill/>
+          <a:ln>
+            <a:noFill/>
+          </a:ln>
+        </p:spPr>
+        <p:txBody>
+          <a:bodyPr spcFirstLastPara="1" wrap="square" lIns="91425" tIns="45700" rIns="91425" bIns="45700" anchor="t" anchorCtr="0">
+            <a:normAutofit lnSpcReduction="10000"/>
+          </a:bodyPr>
+          <a:lstStyle/>
+          <a:p>
+            <a:pPr marL="0" lvl="0" indent="0" algn="l" rtl="0">
+              <a:lnSpc>
+                <a:spcPct val="90000"/>
+              </a:lnSpc>
+              <a:spcBef>
+                <a:spcPts val="0"/>
+              </a:spcBef>
+              <a:spcAft>
+                <a:spcPts val="0"/>
+              </a:spcAft>
+              <a:buClr>
+                <a:schemeClr val="dk1"/>
+              </a:buClr>
+              <a:buSzPts val="2400"/>
+              <a:buNone/>
+            </a:pPr>
+            <a:r>
+              <a:rPr lang="ja-JP" sz="2400" dirty="0"/>
+              <a:t>平文は24 pt　前後を目安にする</a:t>
+            </a:r>
+            <a:endParaRPr sz="2400" dirty="0"/>
+          </a:p>
+          <a:p>
+            <a:pPr marL="0" lvl="0" indent="0" algn="l" rtl="0">
+              <a:lnSpc>
+                <a:spcPct val="90000"/>
+              </a:lnSpc>
+              <a:spcBef>
+                <a:spcPts val="1000"/>
+              </a:spcBef>
+              <a:spcAft>
+                <a:spcPts val="0"/>
+              </a:spcAft>
+              <a:buClr>
+                <a:schemeClr val="dk1"/>
+              </a:buClr>
+              <a:buSzPts val="2400"/>
+              <a:buNone/>
+            </a:pPr>
+            <a:endParaRPr sz="2400" dirty="0"/>
+          </a:p>
+          <a:p>
+            <a:pPr marL="0" lvl="0" indent="0" algn="l" rtl="0">
+              <a:lnSpc>
+                <a:spcPct val="90000"/>
+              </a:lnSpc>
+              <a:spcBef>
+                <a:spcPts val="1000"/>
+              </a:spcBef>
+              <a:spcAft>
+                <a:spcPts val="0"/>
+              </a:spcAft>
+              <a:buClr>
+                <a:schemeClr val="dk1"/>
+              </a:buClr>
+              <a:buSzPts val="2400"/>
+              <a:buNone/>
+            </a:pPr>
+            <a:r>
+              <a:rPr lang="ja-JP" sz="2400" dirty="0"/>
+              <a:t>アニメーションはフェード程度にとどめる</a:t>
+            </a:r>
+            <a:endParaRPr sz="2400" dirty="0"/>
+          </a:p>
+          <a:p>
+            <a:pPr marL="0" lvl="0" indent="0" algn="l" rtl="0">
+              <a:lnSpc>
+                <a:spcPct val="90000"/>
+              </a:lnSpc>
+              <a:spcBef>
+                <a:spcPts val="1000"/>
+              </a:spcBef>
+              <a:spcAft>
+                <a:spcPts val="0"/>
+              </a:spcAft>
+              <a:buClr>
+                <a:schemeClr val="dk1"/>
+              </a:buClr>
+              <a:buSzPts val="2400"/>
+              <a:buNone/>
+            </a:pPr>
+            <a:r>
+              <a:rPr lang="ja-JP" sz="2400" dirty="0"/>
+              <a:t>（必要があれば他にも使ってOK）</a:t>
+            </a:r>
+            <a:endParaRPr sz="2400" dirty="0"/>
+          </a:p>
+          <a:p>
+            <a:pPr marL="0" lvl="0" indent="0" algn="l" rtl="0">
+              <a:lnSpc>
+                <a:spcPct val="90000"/>
+              </a:lnSpc>
+              <a:spcBef>
+                <a:spcPts val="1000"/>
+              </a:spcBef>
+              <a:spcAft>
+                <a:spcPts val="0"/>
+              </a:spcAft>
+              <a:buClr>
+                <a:schemeClr val="dk1"/>
+              </a:buClr>
+              <a:buSzPts val="2400"/>
+              <a:buNone/>
+            </a:pPr>
+            <a:endParaRPr sz="2400" dirty="0"/>
+          </a:p>
+          <a:p>
+            <a:pPr marL="0" lvl="0" indent="0" algn="l" rtl="0">
+              <a:lnSpc>
+                <a:spcPct val="90000"/>
+              </a:lnSpc>
+              <a:spcBef>
+                <a:spcPts val="1000"/>
+              </a:spcBef>
+              <a:spcAft>
+                <a:spcPts val="0"/>
+              </a:spcAft>
+              <a:buClr>
+                <a:schemeClr val="dk1"/>
+              </a:buClr>
+              <a:buSzPts val="2400"/>
+              <a:buNone/>
+            </a:pPr>
+            <a:r>
+              <a:rPr lang="ja-JP" sz="2400" b="1" u="sng" dirty="0"/>
+              <a:t>強調</a:t>
+            </a:r>
+            <a:r>
+              <a:rPr lang="ja-JP" sz="2400" dirty="0"/>
+              <a:t>は多用しすぎない（色使ってもOK）</a:t>
+            </a:r>
+            <a:endParaRPr sz="2400" dirty="0"/>
+          </a:p>
+          <a:p>
+            <a:pPr marL="0" lvl="0" indent="0" algn="l" rtl="0">
+              <a:lnSpc>
+                <a:spcPct val="90000"/>
+              </a:lnSpc>
+              <a:spcBef>
+                <a:spcPts val="1000"/>
+              </a:spcBef>
+              <a:spcAft>
+                <a:spcPts val="0"/>
+              </a:spcAft>
+              <a:buClr>
+                <a:schemeClr val="dk1"/>
+              </a:buClr>
+              <a:buSzPts val="2400"/>
+              <a:buNone/>
+            </a:pPr>
+            <a:endParaRPr sz="2400" dirty="0"/>
+          </a:p>
+          <a:p>
+            <a:pPr marL="0" lvl="0" indent="0" algn="l" rtl="0">
+              <a:lnSpc>
+                <a:spcPct val="90000"/>
+              </a:lnSpc>
+              <a:spcBef>
+                <a:spcPts val="1000"/>
+              </a:spcBef>
+              <a:spcAft>
+                <a:spcPts val="0"/>
+              </a:spcAft>
+              <a:buClr>
+                <a:schemeClr val="dk1"/>
+              </a:buClr>
+              <a:buSzPts val="2400"/>
+              <a:buNone/>
+            </a:pPr>
+            <a:r>
+              <a:rPr lang="ja-JP" sz="2400" dirty="0"/>
+              <a:t>部内のみでの使用を前提に引用等は厳格にしなくてよいものとする</a:t>
+            </a:r>
+            <a:endParaRPr sz="2400" dirty="0"/>
+          </a:p>
+          <a:p>
+            <a:pPr marL="0" lvl="0" indent="0" algn="l" rtl="0">
+              <a:lnSpc>
+                <a:spcPct val="90000"/>
+              </a:lnSpc>
+              <a:spcBef>
+                <a:spcPts val="1000"/>
+              </a:spcBef>
+              <a:spcAft>
+                <a:spcPts val="0"/>
+              </a:spcAft>
+              <a:buClr>
+                <a:schemeClr val="dk1"/>
+              </a:buClr>
+              <a:buSzPts val="2400"/>
+              <a:buNone/>
+            </a:pPr>
+            <a:endParaRPr sz="2400" dirty="0"/>
+          </a:p>
+          <a:p>
+            <a:pPr marL="0" lvl="0" indent="0" algn="l" rtl="0">
+              <a:lnSpc>
+                <a:spcPct val="90000"/>
+              </a:lnSpc>
+              <a:spcBef>
+                <a:spcPts val="1000"/>
+              </a:spcBef>
+              <a:spcAft>
+                <a:spcPts val="0"/>
+              </a:spcAft>
+              <a:buClr>
+                <a:schemeClr val="dk1"/>
+              </a:buClr>
+              <a:buSzPts val="2400"/>
+              <a:buNone/>
+            </a:pPr>
+            <a:r>
+              <a:rPr lang="ja-JP" sz="2400" dirty="0"/>
+              <a:t>画像を多く使い理解しやすいように</a:t>
+            </a:r>
+            <a:endParaRPr sz="2400" dirty="0"/>
+          </a:p>
+          <a:p>
+            <a:pPr marL="0" lvl="0" indent="0" algn="l" rtl="0">
+              <a:lnSpc>
+                <a:spcPct val="90000"/>
+              </a:lnSpc>
+              <a:spcBef>
+                <a:spcPts val="1000"/>
+              </a:spcBef>
+              <a:spcAft>
+                <a:spcPts val="0"/>
+              </a:spcAft>
+              <a:buClr>
+                <a:schemeClr val="dk1"/>
+              </a:buClr>
+              <a:buSzPts val="2400"/>
+              <a:buNone/>
+            </a:pPr>
+            <a:endParaRPr sz="2400" dirty="0"/>
+          </a:p>
+          <a:p>
+            <a:pPr marL="0" lvl="0" indent="0" algn="l" rtl="0">
+              <a:lnSpc>
+                <a:spcPct val="90000"/>
+              </a:lnSpc>
+              <a:spcBef>
+                <a:spcPts val="1000"/>
+              </a:spcBef>
+              <a:spcAft>
+                <a:spcPts val="0"/>
+              </a:spcAft>
+              <a:buClr>
+                <a:schemeClr val="dk1"/>
+              </a:buClr>
+              <a:buSzPts val="2400"/>
+              <a:buNone/>
+            </a:pPr>
+            <a:r>
+              <a:rPr lang="ja-JP" sz="2400" dirty="0"/>
+              <a:t>話す内容はノートにしっかり書く（話す人は代々変わっていくので）</a:t>
+            </a:r>
+            <a:endParaRPr sz="2400" dirty="0"/>
+          </a:p>
+        </p:txBody>
+      </p:sp>
+    </p:spTree>
+    <p:extLst>
+      <p:ext uri="{BB962C8B-B14F-4D97-AF65-F5344CB8AC3E}">
+        <p14:creationId xmlns:p14="http://schemas.microsoft.com/office/powerpoint/2010/main" val="1265974092"/>
+      </p:ext>
+    </p:extLst>
+  </p:cSld>
+  <p:clrMapOvr>
+    <a:masterClrMapping/>
+  </p:clrMapOvr>
+</p:sld>
+</file>
+
+<file path=ppt/slides/slide14.xml><?xml version="1.0" encoding="utf-8"?>
+<p:sld xmlns:a="http://schemas.openxmlformats.org/drawingml/2006/main" xmlns:r="http://schemas.openxmlformats.org/officeDocument/2006/relationships" xmlns:p="http://schemas.openxmlformats.org/presentationml/2006/main">
+  <p:cSld>
+    <p:spTree>
+      <p:nvGrpSpPr>
+        <p:cNvPr id="1" name="Shape 84">
+          <a:extLst>
+            <a:ext uri="{FF2B5EF4-FFF2-40B4-BE49-F238E27FC236}">
+              <a16:creationId xmlns:a16="http://schemas.microsoft.com/office/drawing/2014/main" id="{A4A3C876-0360-E36F-4A40-60A98221F425}"/>
+            </a:ext>
+          </a:extLst>
+        </p:cNvPr>
+        <p:cNvGrpSpPr/>
+        <p:nvPr/>
+      </p:nvGrpSpPr>
+      <p:grpSpPr>
+        <a:xfrm>
+          <a:off x="0" y="0"/>
+          <a:ext cx="0" cy="0"/>
+          <a:chOff x="0" y="0"/>
+          <a:chExt cx="0" cy="0"/>
+        </a:xfrm>
+      </p:grpSpPr>
+      <p:sp>
+        <p:nvSpPr>
+          <p:cNvPr id="85" name="Google Shape;85;p11">
+            <a:extLst>
+              <a:ext uri="{FF2B5EF4-FFF2-40B4-BE49-F238E27FC236}">
+                <a16:creationId xmlns:a16="http://schemas.microsoft.com/office/drawing/2014/main" id="{9C844FF4-C51A-8A03-7E90-8D0F9C126508}"/>
+              </a:ext>
+            </a:extLst>
+          </p:cNvPr>
+          <p:cNvSpPr txBox="1">
+            <a:spLocks noGrp="1"/>
+          </p:cNvSpPr>
+          <p:nvPr>
+            <p:ph type="title"/>
+          </p:nvPr>
+        </p:nvSpPr>
+        <p:spPr>
+          <a:xfrm>
+            <a:off x="831850" y="1709738"/>
+            <a:ext cx="9679477" cy="2852737"/>
+          </a:xfrm>
+          <a:prstGeom prst="rect">
+            <a:avLst/>
+          </a:prstGeom>
+          <a:noFill/>
+          <a:ln>
+            <a:noFill/>
+          </a:ln>
+        </p:spPr>
+        <p:txBody>
+          <a:bodyPr spcFirstLastPara="1" wrap="square" lIns="91425" tIns="45700" rIns="91425" bIns="45700" anchor="b" anchorCtr="0">
+            <a:normAutofit/>
+          </a:bodyPr>
+          <a:lstStyle/>
+          <a:p>
+            <a:r>
+              <a:rPr lang="en-US" altLang="ja-JP" dirty="0"/>
+              <a:t>4. </a:t>
+            </a:r>
+            <a:r>
+              <a:rPr lang="ja-JP" altLang="en-US" sz="6000" b="0" i="0" u="none" strike="noStrike" cap="none" dirty="0">
+                <a:solidFill>
+                  <a:schemeClr val="dk1"/>
+                </a:solidFill>
+                <a:latin typeface="Calibri"/>
+                <a:ea typeface="Calibri"/>
+                <a:cs typeface="Calibri"/>
+                <a:sym typeface="Calibri"/>
+              </a:rPr>
+              <a:t>プルアップでスイッチを作ってみよう！</a:t>
+            </a:r>
+            <a:br>
+              <a:rPr lang="en-US" altLang="ja-JP" sz="6000" b="0" i="0" u="none" strike="noStrike" cap="none" dirty="0">
+                <a:solidFill>
+                  <a:schemeClr val="dk1"/>
+                </a:solidFill>
+                <a:latin typeface="Calibri"/>
+                <a:ea typeface="Calibri"/>
+                <a:cs typeface="Calibri"/>
+                <a:sym typeface="Calibri"/>
+              </a:rPr>
+            </a:br>
+            <a:endParaRPr dirty="0"/>
+          </a:p>
+        </p:txBody>
+      </p:sp>
+      <p:sp>
+        <p:nvSpPr>
+          <p:cNvPr id="86" name="Google Shape;86;p11">
+            <a:extLst>
+              <a:ext uri="{FF2B5EF4-FFF2-40B4-BE49-F238E27FC236}">
+                <a16:creationId xmlns:a16="http://schemas.microsoft.com/office/drawing/2014/main" id="{3F980E0F-E7BD-6BDC-E864-4E0AE79E063C}"/>
+              </a:ext>
+            </a:extLst>
+          </p:cNvPr>
+          <p:cNvSpPr txBox="1">
+            <a:spLocks noGrp="1"/>
+          </p:cNvSpPr>
+          <p:nvPr>
+            <p:ph type="body" idx="1"/>
+          </p:nvPr>
+        </p:nvSpPr>
+        <p:spPr>
+          <a:xfrm>
+            <a:off x="831850" y="4786017"/>
+            <a:ext cx="10515600" cy="1500187"/>
+          </a:xfrm>
+          <a:prstGeom prst="rect">
+            <a:avLst/>
+          </a:prstGeom>
+          <a:noFill/>
+          <a:ln>
+            <a:noFill/>
+          </a:ln>
+        </p:spPr>
+        <p:txBody>
+          <a:bodyPr spcFirstLastPara="1" wrap="square" lIns="91425" tIns="45700" rIns="91425" bIns="45700" anchor="t" anchorCtr="0">
+            <a:normAutofit/>
+          </a:bodyPr>
+          <a:lstStyle/>
+          <a:p>
+            <a:pPr marL="0" lvl="0" indent="0" algn="l" rtl="0">
+              <a:lnSpc>
+                <a:spcPct val="90000"/>
+              </a:lnSpc>
+              <a:spcBef>
+                <a:spcPts val="0"/>
+              </a:spcBef>
+              <a:spcAft>
+                <a:spcPts val="0"/>
+              </a:spcAft>
+              <a:buClr>
+                <a:srgbClr val="888888"/>
+              </a:buClr>
+              <a:buSzPts val="2400"/>
+              <a:buNone/>
+            </a:pPr>
+            <a:endParaRPr/>
+          </a:p>
+        </p:txBody>
+      </p:sp>
+    </p:spTree>
+    <p:extLst>
+      <p:ext uri="{BB962C8B-B14F-4D97-AF65-F5344CB8AC3E}">
+        <p14:creationId xmlns:p14="http://schemas.microsoft.com/office/powerpoint/2010/main" val="2286470432"/>
+      </p:ext>
+    </p:extLst>
+  </p:cSld>
+  <p:clrMapOvr>
+    <a:masterClrMapping/>
+  </p:clrMapOvr>
+</p:sld>
+</file>
+
+<file path=ppt/slides/slide15.xml><?xml version="1.0" encoding="utf-8"?>
+<p:sld xmlns:a="http://schemas.openxmlformats.org/drawingml/2006/main" xmlns:r="http://schemas.openxmlformats.org/officeDocument/2006/relationships" xmlns:p="http://schemas.openxmlformats.org/presentationml/2006/main">
+  <p:cSld>
+    <p:spTree>
+      <p:nvGrpSpPr>
         <p:cNvPr id="1" name="Shape 91">
           <a:extLst>
             <a:ext uri="{FF2B5EF4-FFF2-40B4-BE49-F238E27FC236}">
@@ -11848,7 +13456,7 @@
 </p:sld>
 </file>
 
-<file path=ppt/slides/slide11.xml><?xml version="1.0" encoding="utf-8"?>
+<file path=ppt/slides/slide16.xml><?xml version="1.0" encoding="utf-8"?>
 <p:sld xmlns:a="http://schemas.openxmlformats.org/drawingml/2006/main" xmlns:r="http://schemas.openxmlformats.org/officeDocument/2006/relationships" xmlns:p="http://schemas.openxmlformats.org/presentationml/2006/main">
   <p:cSld>
     <p:spTree>
@@ -12013,7 +13621,7 @@
 </p:sld>
 </file>
 
-<file path=ppt/slides/slide12.xml><?xml version="1.0" encoding="utf-8"?>
+<file path=ppt/slides/slide17.xml><?xml version="1.0" encoding="utf-8"?>
 <p:sld xmlns:a="http://schemas.openxmlformats.org/drawingml/2006/main" xmlns:r="http://schemas.openxmlformats.org/officeDocument/2006/relationships" xmlns:p="http://schemas.openxmlformats.org/presentationml/2006/main">
   <p:cSld>
     <p:spTree>
@@ -12428,7 +14036,7 @@
 </p:sld>
 </file>
 
-<file path=ppt/slides/slide13.xml><?xml version="1.0" encoding="utf-8"?>
+<file path=ppt/slides/slide18.xml><?xml version="1.0" encoding="utf-8"?>
 <p:sld xmlns:a="http://schemas.openxmlformats.org/drawingml/2006/main" xmlns:r="http://schemas.openxmlformats.org/officeDocument/2006/relationships" xmlns:p="http://schemas.openxmlformats.org/presentationml/2006/main">
   <p:cSld>
     <p:spTree>
@@ -12515,7 +14123,7 @@
 </p:sld>
 </file>
 
-<file path=ppt/slides/slide14.xml><?xml version="1.0" encoding="utf-8"?>
+<file path=ppt/slides/slide19.xml><?xml version="1.0" encoding="utf-8"?>
 <p:sld xmlns:a="http://schemas.openxmlformats.org/drawingml/2006/main" xmlns:r="http://schemas.openxmlformats.org/officeDocument/2006/relationships" xmlns:p="http://schemas.openxmlformats.org/presentationml/2006/main">
   <p:cSld>
     <p:spTree>
@@ -12612,176 +14220,6 @@
           <a:lstStyle/>
           <a:p>
             <a:endParaRPr lang="ja-JP" altLang="en-US"/>
-          </a:p>
-        </p:txBody>
-      </p:sp>
-    </p:spTree>
-  </p:cSld>
-  <p:clrMapOvr>
-    <a:masterClrMapping/>
-  </p:clrMapOvr>
-</p:sld>
-</file>
-
-<file path=ppt/slides/slide15.xml><?xml version="1.0" encoding="utf-8"?>
-<p:sld xmlns:a="http://schemas.openxmlformats.org/drawingml/2006/main" xmlns:r="http://schemas.openxmlformats.org/officeDocument/2006/relationships" xmlns:p="http://schemas.openxmlformats.org/presentationml/2006/main" show="0">
-  <p:cSld>
-    <p:spTree>
-      <p:nvGrpSpPr>
-        <p:cNvPr id="1" name="Shape 111"/>
-        <p:cNvGrpSpPr/>
-        <p:nvPr/>
-      </p:nvGrpSpPr>
-      <p:grpSpPr>
-        <a:xfrm>
-          <a:off x="0" y="0"/>
-          <a:ext cx="0" cy="0"/>
-          <a:chOff x="0" y="0"/>
-          <a:chExt cx="0" cy="0"/>
-        </a:xfrm>
-      </p:grpSpPr>
-      <p:sp>
-        <p:nvSpPr>
-          <p:cNvPr id="112" name="Google Shape;112;p15"/>
-          <p:cNvSpPr txBox="1">
-            <a:spLocks noGrp="1"/>
-          </p:cNvSpPr>
-          <p:nvPr>
-            <p:ph type="title"/>
-          </p:nvPr>
-        </p:nvSpPr>
-        <p:spPr>
-          <a:xfrm>
-            <a:off x="0" y="4505"/>
-            <a:ext cx="9272187" cy="1017646"/>
-          </a:xfrm>
-          <a:prstGeom prst="rect">
-            <a:avLst/>
-          </a:prstGeom>
-          <a:noFill/>
-          <a:ln>
-            <a:noFill/>
-          </a:ln>
-        </p:spPr>
-        <p:txBody>
-          <a:bodyPr spcFirstLastPara="1" wrap="square" lIns="91425" tIns="45700" rIns="91425" bIns="45700" anchor="ctr" anchorCtr="0">
-            <a:normAutofit/>
-          </a:bodyPr>
-          <a:lstStyle/>
-          <a:p>
-            <a:pPr marL="0" lvl="0" indent="0" algn="l" rtl="0">
-              <a:lnSpc>
-                <a:spcPct val="90000"/>
-              </a:lnSpc>
-              <a:spcBef>
-                <a:spcPts val="0"/>
-              </a:spcBef>
-              <a:spcAft>
-                <a:spcPts val="0"/>
-              </a:spcAft>
-              <a:buClr>
-                <a:schemeClr val="dk1"/>
-              </a:buClr>
-              <a:buSzPts val="4000"/>
-              <a:buFont typeface="Calibri"/>
-              <a:buNone/>
-            </a:pPr>
-            <a:r>
-              <a:rPr lang="ja-JP"/>
-              <a:t>編集履歴</a:t>
-            </a:r>
-            <a:endParaRPr/>
-          </a:p>
-        </p:txBody>
-      </p:sp>
-      <p:sp>
-        <p:nvSpPr>
-          <p:cNvPr id="113" name="Google Shape;113;p15"/>
-          <p:cNvSpPr txBox="1">
-            <a:spLocks noGrp="1"/>
-          </p:cNvSpPr>
-          <p:nvPr>
-            <p:ph type="body" idx="1"/>
-          </p:nvPr>
-        </p:nvSpPr>
-        <p:spPr>
-          <a:xfrm>
-            <a:off x="427383" y="1487228"/>
-            <a:ext cx="10515600" cy="4351338"/>
-          </a:xfrm>
-          <a:prstGeom prst="rect">
-            <a:avLst/>
-          </a:prstGeom>
-          <a:noFill/>
-          <a:ln>
-            <a:noFill/>
-          </a:ln>
-        </p:spPr>
-        <p:txBody>
-          <a:bodyPr spcFirstLastPara="1" wrap="square" lIns="91425" tIns="45700" rIns="91425" bIns="45700" anchor="t" anchorCtr="0">
-            <a:normAutofit/>
-          </a:bodyPr>
-          <a:lstStyle/>
-          <a:p>
-            <a:pPr marL="514350" lvl="0" indent="-514350" algn="l" rtl="0">
-              <a:lnSpc>
-                <a:spcPct val="90000"/>
-              </a:lnSpc>
-              <a:spcBef>
-                <a:spcPts val="0"/>
-              </a:spcBef>
-              <a:spcAft>
-                <a:spcPts val="0"/>
-              </a:spcAft>
-              <a:buClr>
-                <a:schemeClr val="dk1"/>
-              </a:buClr>
-              <a:buSzPts val="2800"/>
-              <a:buAutoNum type="arabicPeriod"/>
-            </a:pPr>
-            <a:r>
-              <a:rPr lang="ja-JP"/>
-              <a:t>編集者氏名（YYYY/MM/DD）</a:t>
-            </a:r>
-            <a:endParaRPr/>
-          </a:p>
-          <a:p>
-            <a:pPr marL="514350" lvl="0" indent="-336550" algn="l" rtl="0">
-              <a:lnSpc>
-                <a:spcPct val="90000"/>
-              </a:lnSpc>
-              <a:spcBef>
-                <a:spcPts val="1000"/>
-              </a:spcBef>
-              <a:spcAft>
-                <a:spcPts val="0"/>
-              </a:spcAft>
-              <a:buClr>
-                <a:schemeClr val="dk1"/>
-              </a:buClr>
-              <a:buSzPts val="2800"/>
-              <a:buNone/>
-            </a:pPr>
-            <a:endParaRPr/>
-          </a:p>
-          <a:p>
-            <a:pPr marL="514350" lvl="0" indent="-336550" algn="l" rtl="0">
-              <a:lnSpc>
-                <a:spcPct val="90000"/>
-              </a:lnSpc>
-              <a:spcBef>
-                <a:spcPts val="1000"/>
-              </a:spcBef>
-              <a:spcAft>
-                <a:spcPts val="0"/>
-              </a:spcAft>
-              <a:buClr>
-                <a:schemeClr val="dk1"/>
-              </a:buClr>
-              <a:buSzPts val="2800"/>
-              <a:buNone/>
-            </a:pPr>
-            <a:endParaRPr/>
           </a:p>
         </p:txBody>
       </p:sp>
@@ -13142,7 +14580,1540 @@
 </p:sld>
 </file>
 
+<file path=ppt/slides/slide20.xml><?xml version="1.0" encoding="utf-8"?>
+<p:sld xmlns:a="http://schemas.openxmlformats.org/drawingml/2006/main" xmlns:r="http://schemas.openxmlformats.org/officeDocument/2006/relationships" xmlns:p="http://schemas.openxmlformats.org/presentationml/2006/main" show="0">
+  <p:cSld>
+    <p:spTree>
+      <p:nvGrpSpPr>
+        <p:cNvPr id="1" name="Shape 111"/>
+        <p:cNvGrpSpPr/>
+        <p:nvPr/>
+      </p:nvGrpSpPr>
+      <p:grpSpPr>
+        <a:xfrm>
+          <a:off x="0" y="0"/>
+          <a:ext cx="0" cy="0"/>
+          <a:chOff x="0" y="0"/>
+          <a:chExt cx="0" cy="0"/>
+        </a:xfrm>
+      </p:grpSpPr>
+      <p:sp>
+        <p:nvSpPr>
+          <p:cNvPr id="112" name="Google Shape;112;p15"/>
+          <p:cNvSpPr txBox="1">
+            <a:spLocks noGrp="1"/>
+          </p:cNvSpPr>
+          <p:nvPr>
+            <p:ph type="title"/>
+          </p:nvPr>
+        </p:nvSpPr>
+        <p:spPr>
+          <a:xfrm>
+            <a:off x="0" y="4505"/>
+            <a:ext cx="9272187" cy="1017646"/>
+          </a:xfrm>
+          <a:prstGeom prst="rect">
+            <a:avLst/>
+          </a:prstGeom>
+          <a:noFill/>
+          <a:ln>
+            <a:noFill/>
+          </a:ln>
+        </p:spPr>
+        <p:txBody>
+          <a:bodyPr spcFirstLastPara="1" wrap="square" lIns="91425" tIns="45700" rIns="91425" bIns="45700" anchor="ctr" anchorCtr="0">
+            <a:normAutofit/>
+          </a:bodyPr>
+          <a:lstStyle/>
+          <a:p>
+            <a:pPr marL="0" lvl="0" indent="0" algn="l" rtl="0">
+              <a:lnSpc>
+                <a:spcPct val="90000"/>
+              </a:lnSpc>
+              <a:spcBef>
+                <a:spcPts val="0"/>
+              </a:spcBef>
+              <a:spcAft>
+                <a:spcPts val="0"/>
+              </a:spcAft>
+              <a:buClr>
+                <a:schemeClr val="dk1"/>
+              </a:buClr>
+              <a:buSzPts val="4000"/>
+              <a:buFont typeface="Calibri"/>
+              <a:buNone/>
+            </a:pPr>
+            <a:r>
+              <a:rPr lang="ja-JP"/>
+              <a:t>編集履歴</a:t>
+            </a:r>
+            <a:endParaRPr/>
+          </a:p>
+        </p:txBody>
+      </p:sp>
+      <p:sp>
+        <p:nvSpPr>
+          <p:cNvPr id="113" name="Google Shape;113;p15"/>
+          <p:cNvSpPr txBox="1">
+            <a:spLocks noGrp="1"/>
+          </p:cNvSpPr>
+          <p:nvPr>
+            <p:ph type="body" idx="1"/>
+          </p:nvPr>
+        </p:nvSpPr>
+        <p:spPr>
+          <a:xfrm>
+            <a:off x="427383" y="1487228"/>
+            <a:ext cx="10515600" cy="4351338"/>
+          </a:xfrm>
+          <a:prstGeom prst="rect">
+            <a:avLst/>
+          </a:prstGeom>
+          <a:noFill/>
+          <a:ln>
+            <a:noFill/>
+          </a:ln>
+        </p:spPr>
+        <p:txBody>
+          <a:bodyPr spcFirstLastPara="1" wrap="square" lIns="91425" tIns="45700" rIns="91425" bIns="45700" anchor="t" anchorCtr="0">
+            <a:normAutofit/>
+          </a:bodyPr>
+          <a:lstStyle/>
+          <a:p>
+            <a:pPr marL="514350" lvl="0" indent="-514350" algn="l" rtl="0">
+              <a:lnSpc>
+                <a:spcPct val="90000"/>
+              </a:lnSpc>
+              <a:spcBef>
+                <a:spcPts val="0"/>
+              </a:spcBef>
+              <a:spcAft>
+                <a:spcPts val="0"/>
+              </a:spcAft>
+              <a:buClr>
+                <a:schemeClr val="dk1"/>
+              </a:buClr>
+              <a:buSzPts val="2800"/>
+              <a:buAutoNum type="arabicPeriod"/>
+            </a:pPr>
+            <a:r>
+              <a:rPr lang="ja-JP"/>
+              <a:t>編集者氏名（YYYY/MM/DD）</a:t>
+            </a:r>
+            <a:endParaRPr/>
+          </a:p>
+          <a:p>
+            <a:pPr marL="514350" lvl="0" indent="-336550" algn="l" rtl="0">
+              <a:lnSpc>
+                <a:spcPct val="90000"/>
+              </a:lnSpc>
+              <a:spcBef>
+                <a:spcPts val="1000"/>
+              </a:spcBef>
+              <a:spcAft>
+                <a:spcPts val="0"/>
+              </a:spcAft>
+              <a:buClr>
+                <a:schemeClr val="dk1"/>
+              </a:buClr>
+              <a:buSzPts val="2800"/>
+              <a:buNone/>
+            </a:pPr>
+            <a:endParaRPr/>
+          </a:p>
+          <a:p>
+            <a:pPr marL="514350" lvl="0" indent="-336550" algn="l" rtl="0">
+              <a:lnSpc>
+                <a:spcPct val="90000"/>
+              </a:lnSpc>
+              <a:spcBef>
+                <a:spcPts val="1000"/>
+              </a:spcBef>
+              <a:spcAft>
+                <a:spcPts val="0"/>
+              </a:spcAft>
+              <a:buClr>
+                <a:schemeClr val="dk1"/>
+              </a:buClr>
+              <a:buSzPts val="2800"/>
+              <a:buNone/>
+            </a:pPr>
+            <a:endParaRPr/>
+          </a:p>
+        </p:txBody>
+      </p:sp>
+    </p:spTree>
+  </p:cSld>
+  <p:clrMapOvr>
+    <a:masterClrMapping/>
+  </p:clrMapOvr>
+</p:sld>
+</file>
+
 <file path=ppt/slides/slide3.xml><?xml version="1.0" encoding="utf-8"?>
+<p:sld xmlns:a="http://schemas.openxmlformats.org/drawingml/2006/main" xmlns:r="http://schemas.openxmlformats.org/officeDocument/2006/relationships" xmlns:p="http://schemas.openxmlformats.org/presentationml/2006/main">
+  <p:cSld>
+    <p:spTree>
+      <p:nvGrpSpPr>
+        <p:cNvPr id="1" name=""/>
+        <p:cNvGrpSpPr/>
+        <p:nvPr/>
+      </p:nvGrpSpPr>
+      <p:grpSpPr>
+        <a:xfrm>
+          <a:off x="0" y="0"/>
+          <a:ext cx="0" cy="0"/>
+          <a:chOff x="0" y="0"/>
+          <a:chExt cx="0" cy="0"/>
+        </a:xfrm>
+      </p:grpSpPr>
+      <p:sp>
+        <p:nvSpPr>
+          <p:cNvPr id="2" name="タイトル 1">
+            <a:extLst>
+              <a:ext uri="{FF2B5EF4-FFF2-40B4-BE49-F238E27FC236}">
+                <a16:creationId xmlns:a16="http://schemas.microsoft.com/office/drawing/2014/main" id="{704BF69A-525A-05F2-559D-2C81726376C2}"/>
+              </a:ext>
+            </a:extLst>
+          </p:cNvPr>
+          <p:cNvSpPr>
+            <a:spLocks noGrp="1"/>
+          </p:cNvSpPr>
+          <p:nvPr>
+            <p:ph type="title"/>
+          </p:nvPr>
+        </p:nvSpPr>
+        <p:spPr/>
+        <p:txBody>
+          <a:bodyPr/>
+          <a:lstStyle/>
+          <a:p>
+            <a:r>
+              <a:rPr kumimoji="1" lang="ja-JP" altLang="en-US" dirty="0"/>
+              <a:t>新歓基板の説明</a:t>
+            </a:r>
+          </a:p>
+        </p:txBody>
+      </p:sp>
+      <p:sp>
+        <p:nvSpPr>
+          <p:cNvPr id="3" name="テキスト プレースホルダー 2">
+            <a:extLst>
+              <a:ext uri="{FF2B5EF4-FFF2-40B4-BE49-F238E27FC236}">
+                <a16:creationId xmlns:a16="http://schemas.microsoft.com/office/drawing/2014/main" id="{56CA4234-246B-72B0-5B3D-DC3301B18943}"/>
+              </a:ext>
+            </a:extLst>
+          </p:cNvPr>
+          <p:cNvSpPr>
+            <a:spLocks noGrp="1"/>
+          </p:cNvSpPr>
+          <p:nvPr>
+            <p:ph type="body" idx="1"/>
+          </p:nvPr>
+        </p:nvSpPr>
+        <p:spPr/>
+        <p:txBody>
+          <a:bodyPr/>
+          <a:lstStyle/>
+          <a:p>
+            <a:endParaRPr kumimoji="1" lang="ja-JP" altLang="en-US"/>
+          </a:p>
+        </p:txBody>
+      </p:sp>
+      <p:pic>
+        <p:nvPicPr>
+          <p:cNvPr id="5" name="図 4" descr="グラフィカル ユーザー インターフェイス, ダイアグラム&#10;&#10;AI によって生成されたコンテンツは間違っている可能性があります。">
+            <a:extLst>
+              <a:ext uri="{FF2B5EF4-FFF2-40B4-BE49-F238E27FC236}">
+                <a16:creationId xmlns:a16="http://schemas.microsoft.com/office/drawing/2014/main" id="{6CCE8C18-6447-A6CB-AF35-10BA4CF3A5AC}"/>
+              </a:ext>
+            </a:extLst>
+          </p:cNvPr>
+          <p:cNvPicPr>
+            <a:picLocks noChangeAspect="1"/>
+          </p:cNvPicPr>
+          <p:nvPr/>
+        </p:nvPicPr>
+        <p:blipFill>
+          <a:blip r:embed="rId2"/>
+          <a:stretch>
+            <a:fillRect/>
+          </a:stretch>
+        </p:blipFill>
+        <p:spPr>
+          <a:xfrm>
+            <a:off x="0" y="1351355"/>
+            <a:ext cx="12192000" cy="4155290"/>
+          </a:xfrm>
+          <a:prstGeom prst="rect">
+            <a:avLst/>
+          </a:prstGeom>
+        </p:spPr>
+      </p:pic>
+    </p:spTree>
+    <p:extLst>
+      <p:ext uri="{BB962C8B-B14F-4D97-AF65-F5344CB8AC3E}">
+        <p14:creationId xmlns:p14="http://schemas.microsoft.com/office/powerpoint/2010/main" val="781210611"/>
+      </p:ext>
+    </p:extLst>
+  </p:cSld>
+  <p:clrMapOvr>
+    <a:masterClrMapping/>
+  </p:clrMapOvr>
+</p:sld>
+</file>
+
+<file path=ppt/slides/slide4.xml><?xml version="1.0" encoding="utf-8"?>
+<p:sld xmlns:a="http://schemas.openxmlformats.org/drawingml/2006/main" xmlns:r="http://schemas.openxmlformats.org/officeDocument/2006/relationships" xmlns:p="http://schemas.openxmlformats.org/presentationml/2006/main">
+  <p:cSld>
+    <p:spTree>
+      <p:nvGrpSpPr>
+        <p:cNvPr id="1" name="">
+          <a:extLst>
+            <a:ext uri="{FF2B5EF4-FFF2-40B4-BE49-F238E27FC236}">
+              <a16:creationId xmlns:a16="http://schemas.microsoft.com/office/drawing/2014/main" id="{7F3DCEA8-2562-22F1-C4F1-531CC932874B}"/>
+            </a:ext>
+          </a:extLst>
+        </p:cNvPr>
+        <p:cNvGrpSpPr/>
+        <p:nvPr/>
+      </p:nvGrpSpPr>
+      <p:grpSpPr>
+        <a:xfrm>
+          <a:off x="0" y="0"/>
+          <a:ext cx="0" cy="0"/>
+          <a:chOff x="0" y="0"/>
+          <a:chExt cx="0" cy="0"/>
+        </a:xfrm>
+      </p:grpSpPr>
+      <p:sp>
+        <p:nvSpPr>
+          <p:cNvPr id="2" name="タイトル 1">
+            <a:extLst>
+              <a:ext uri="{FF2B5EF4-FFF2-40B4-BE49-F238E27FC236}">
+                <a16:creationId xmlns:a16="http://schemas.microsoft.com/office/drawing/2014/main" id="{705FFF30-C482-E08B-B535-13594317B377}"/>
+              </a:ext>
+            </a:extLst>
+          </p:cNvPr>
+          <p:cNvSpPr>
+            <a:spLocks noGrp="1"/>
+          </p:cNvSpPr>
+          <p:nvPr>
+            <p:ph type="title"/>
+          </p:nvPr>
+        </p:nvSpPr>
+        <p:spPr/>
+        <p:txBody>
+          <a:bodyPr/>
+          <a:lstStyle/>
+          <a:p>
+            <a:r>
+              <a:rPr kumimoji="1" lang="ja-JP" altLang="en-US" dirty="0"/>
+              <a:t>新歓基板の説明</a:t>
+            </a:r>
+          </a:p>
+        </p:txBody>
+      </p:sp>
+      <p:sp>
+        <p:nvSpPr>
+          <p:cNvPr id="3" name="テキスト プレースホルダー 2">
+            <a:extLst>
+              <a:ext uri="{FF2B5EF4-FFF2-40B4-BE49-F238E27FC236}">
+                <a16:creationId xmlns:a16="http://schemas.microsoft.com/office/drawing/2014/main" id="{7C3EA148-A1DB-E53A-8486-74EB3499B63B}"/>
+              </a:ext>
+            </a:extLst>
+          </p:cNvPr>
+          <p:cNvSpPr>
+            <a:spLocks noGrp="1"/>
+          </p:cNvSpPr>
+          <p:nvPr>
+            <p:ph type="body" idx="1"/>
+          </p:nvPr>
+        </p:nvSpPr>
+        <p:spPr/>
+        <p:txBody>
+          <a:bodyPr/>
+          <a:lstStyle/>
+          <a:p>
+            <a:endParaRPr kumimoji="1" lang="ja-JP" altLang="en-US"/>
+          </a:p>
+        </p:txBody>
+      </p:sp>
+      <p:pic>
+        <p:nvPicPr>
+          <p:cNvPr id="7" name="図 6" descr="建物, ストリート, 記号, 座る が含まれている画像&#10;&#10;AI によって生成されたコンテンツは間違っている可能性があります。">
+            <a:extLst>
+              <a:ext uri="{FF2B5EF4-FFF2-40B4-BE49-F238E27FC236}">
+                <a16:creationId xmlns:a16="http://schemas.microsoft.com/office/drawing/2014/main" id="{F20E9846-D204-6490-448E-6EB6E8CD8130}"/>
+              </a:ext>
+            </a:extLst>
+          </p:cNvPr>
+          <p:cNvPicPr>
+            <a:picLocks noChangeAspect="1"/>
+          </p:cNvPicPr>
+          <p:nvPr/>
+        </p:nvPicPr>
+        <p:blipFill>
+          <a:blip r:embed="rId2"/>
+          <a:stretch>
+            <a:fillRect/>
+          </a:stretch>
+        </p:blipFill>
+        <p:spPr>
+          <a:xfrm rot="5400000">
+            <a:off x="2387518" y="1774053"/>
+            <a:ext cx="5468068" cy="4101051"/>
+          </a:xfrm>
+          <a:prstGeom prst="rect">
+            <a:avLst/>
+          </a:prstGeom>
+        </p:spPr>
+      </p:pic>
+      <p:sp>
+        <p:nvSpPr>
+          <p:cNvPr id="9" name="吹き出し: 四角形 8">
+            <a:extLst>
+              <a:ext uri="{FF2B5EF4-FFF2-40B4-BE49-F238E27FC236}">
+                <a16:creationId xmlns:a16="http://schemas.microsoft.com/office/drawing/2014/main" id="{A55F6E13-E161-01E4-6B83-21FA9DCF63F1}"/>
+              </a:ext>
+            </a:extLst>
+          </p:cNvPr>
+          <p:cNvSpPr/>
+          <p:nvPr/>
+        </p:nvSpPr>
+        <p:spPr>
+          <a:xfrm>
+            <a:off x="6957392" y="1487228"/>
+            <a:ext cx="2775005" cy="922277"/>
+          </a:xfrm>
+          <a:prstGeom prst="wedgeRectCallout">
+            <a:avLst>
+              <a:gd name="adj1" fmla="val -104787"/>
+              <a:gd name="adj2" fmla="val 73708"/>
+            </a:avLst>
+          </a:prstGeom>
+        </p:spPr>
+        <p:style>
+          <a:lnRef idx="2">
+            <a:schemeClr val="accent1">
+              <a:shade val="15000"/>
+            </a:schemeClr>
+          </a:lnRef>
+          <a:fillRef idx="1">
+            <a:schemeClr val="accent1"/>
+          </a:fillRef>
+          <a:effectRef idx="0">
+            <a:schemeClr val="accent1"/>
+          </a:effectRef>
+          <a:fontRef idx="minor">
+            <a:schemeClr val="lt1"/>
+          </a:fontRef>
+        </p:style>
+        <p:txBody>
+          <a:bodyPr rtlCol="0" anchor="ctr"/>
+          <a:lstStyle/>
+          <a:p>
+            <a:pPr algn="ctr"/>
+            <a:r>
+              <a:rPr kumimoji="1" lang="en-US" altLang="ja-JP" dirty="0"/>
+              <a:t>USB-A</a:t>
+            </a:r>
+          </a:p>
+          <a:p>
+            <a:pPr algn="ctr"/>
+            <a:r>
+              <a:rPr kumimoji="1" lang="ja-JP" altLang="en-US" dirty="0"/>
+              <a:t>パソコンに差し込む</a:t>
+            </a:r>
+          </a:p>
+        </p:txBody>
+      </p:sp>
+      <p:sp>
+        <p:nvSpPr>
+          <p:cNvPr id="10" name="吹き出し: 四角形 9">
+            <a:extLst>
+              <a:ext uri="{FF2B5EF4-FFF2-40B4-BE49-F238E27FC236}">
+                <a16:creationId xmlns:a16="http://schemas.microsoft.com/office/drawing/2014/main" id="{C4A28758-2D53-D0F6-7EA5-37E76DCEAA40}"/>
+              </a:ext>
+            </a:extLst>
+          </p:cNvPr>
+          <p:cNvSpPr/>
+          <p:nvPr/>
+        </p:nvSpPr>
+        <p:spPr>
+          <a:xfrm>
+            <a:off x="7064735" y="2506723"/>
+            <a:ext cx="2775005" cy="922277"/>
+          </a:xfrm>
+          <a:prstGeom prst="wedgeRectCallout">
+            <a:avLst>
+              <a:gd name="adj1" fmla="val -104787"/>
+              <a:gd name="adj2" fmla="val 73708"/>
+            </a:avLst>
+          </a:prstGeom>
+        </p:spPr>
+        <p:style>
+          <a:lnRef idx="2">
+            <a:schemeClr val="accent1">
+              <a:shade val="15000"/>
+            </a:schemeClr>
+          </a:lnRef>
+          <a:fillRef idx="1">
+            <a:schemeClr val="accent1"/>
+          </a:fillRef>
+          <a:effectRef idx="0">
+            <a:schemeClr val="accent1"/>
+          </a:effectRef>
+          <a:fontRef idx="minor">
+            <a:schemeClr val="lt1"/>
+          </a:fontRef>
+        </p:style>
+        <p:txBody>
+          <a:bodyPr rtlCol="0" anchor="ctr"/>
+          <a:lstStyle/>
+          <a:p>
+            <a:pPr algn="ctr"/>
+            <a:r>
+              <a:rPr kumimoji="1" lang="en-US" altLang="ja-JP" dirty="0"/>
+              <a:t>Boot </a:t>
+            </a:r>
+            <a:r>
+              <a:rPr kumimoji="1" lang="ja-JP" altLang="en-US" dirty="0"/>
+              <a:t>スイッチ</a:t>
+            </a:r>
+          </a:p>
+        </p:txBody>
+      </p:sp>
+      <p:sp>
+        <p:nvSpPr>
+          <p:cNvPr id="11" name="吹き出し: 四角形 10">
+            <a:extLst>
+              <a:ext uri="{FF2B5EF4-FFF2-40B4-BE49-F238E27FC236}">
+                <a16:creationId xmlns:a16="http://schemas.microsoft.com/office/drawing/2014/main" id="{CBAFB674-D362-8B25-8183-47D7B8D49C1C}"/>
+              </a:ext>
+            </a:extLst>
+          </p:cNvPr>
+          <p:cNvSpPr/>
+          <p:nvPr/>
+        </p:nvSpPr>
+        <p:spPr>
+          <a:xfrm>
+            <a:off x="659960" y="2474918"/>
+            <a:ext cx="2775005" cy="922277"/>
+          </a:xfrm>
+          <a:prstGeom prst="wedgeRectCallout">
+            <a:avLst>
+              <a:gd name="adj1" fmla="val 77466"/>
+              <a:gd name="adj2" fmla="val 58792"/>
+            </a:avLst>
+          </a:prstGeom>
+        </p:spPr>
+        <p:style>
+          <a:lnRef idx="2">
+            <a:schemeClr val="accent1">
+              <a:shade val="15000"/>
+            </a:schemeClr>
+          </a:lnRef>
+          <a:fillRef idx="1">
+            <a:schemeClr val="accent1"/>
+          </a:fillRef>
+          <a:effectRef idx="0">
+            <a:schemeClr val="accent1"/>
+          </a:effectRef>
+          <a:fontRef idx="minor">
+            <a:schemeClr val="lt1"/>
+          </a:fontRef>
+        </p:style>
+        <p:txBody>
+          <a:bodyPr rtlCol="0" anchor="ctr"/>
+          <a:lstStyle/>
+          <a:p>
+            <a:pPr algn="ctr"/>
+            <a:r>
+              <a:rPr kumimoji="1" lang="en-US" altLang="ja-JP" dirty="0"/>
+              <a:t>RESET </a:t>
+            </a:r>
+            <a:r>
+              <a:rPr kumimoji="1" lang="ja-JP" altLang="en-US" dirty="0"/>
+              <a:t>スイッチ</a:t>
+            </a:r>
+          </a:p>
+        </p:txBody>
+      </p:sp>
+      <p:sp>
+        <p:nvSpPr>
+          <p:cNvPr id="12" name="吹き出し: 四角形 11">
+            <a:extLst>
+              <a:ext uri="{FF2B5EF4-FFF2-40B4-BE49-F238E27FC236}">
+                <a16:creationId xmlns:a16="http://schemas.microsoft.com/office/drawing/2014/main" id="{13970528-7529-8875-25CE-27EC79AD1F62}"/>
+              </a:ext>
+            </a:extLst>
+          </p:cNvPr>
+          <p:cNvSpPr/>
+          <p:nvPr/>
+        </p:nvSpPr>
+        <p:spPr>
+          <a:xfrm>
+            <a:off x="659960" y="3462608"/>
+            <a:ext cx="2775005" cy="922277"/>
+          </a:xfrm>
+          <a:prstGeom prst="wedgeRectCallout">
+            <a:avLst>
+              <a:gd name="adj1" fmla="val 77466"/>
+              <a:gd name="adj2" fmla="val 58792"/>
+            </a:avLst>
+          </a:prstGeom>
+        </p:spPr>
+        <p:style>
+          <a:lnRef idx="2">
+            <a:schemeClr val="accent1">
+              <a:shade val="15000"/>
+            </a:schemeClr>
+          </a:lnRef>
+          <a:fillRef idx="1">
+            <a:schemeClr val="accent1"/>
+          </a:fillRef>
+          <a:effectRef idx="0">
+            <a:schemeClr val="accent1"/>
+          </a:effectRef>
+          <a:fontRef idx="minor">
+            <a:schemeClr val="lt1"/>
+          </a:fontRef>
+        </p:style>
+        <p:txBody>
+          <a:bodyPr rtlCol="0" anchor="ctr"/>
+          <a:lstStyle/>
+          <a:p>
+            <a:pPr algn="ctr"/>
+            <a:r>
+              <a:rPr kumimoji="1" lang="en-US" altLang="ja-JP" dirty="0"/>
+              <a:t>LED</a:t>
+            </a:r>
+            <a:endParaRPr kumimoji="1" lang="ja-JP" altLang="en-US" dirty="0"/>
+          </a:p>
+        </p:txBody>
+      </p:sp>
+      <p:sp>
+        <p:nvSpPr>
+          <p:cNvPr id="13" name="吹き出し: 四角形 12">
+            <a:extLst>
+              <a:ext uri="{FF2B5EF4-FFF2-40B4-BE49-F238E27FC236}">
+                <a16:creationId xmlns:a16="http://schemas.microsoft.com/office/drawing/2014/main" id="{DA489889-134D-D616-BE62-2A7014AFC49C}"/>
+              </a:ext>
+            </a:extLst>
+          </p:cNvPr>
+          <p:cNvSpPr/>
+          <p:nvPr/>
+        </p:nvSpPr>
+        <p:spPr>
+          <a:xfrm>
+            <a:off x="6957392" y="3824578"/>
+            <a:ext cx="2775005" cy="922277"/>
+          </a:xfrm>
+          <a:prstGeom prst="wedgeRectCallout">
+            <a:avLst>
+              <a:gd name="adj1" fmla="val -95886"/>
+              <a:gd name="adj2" fmla="val 26893"/>
+            </a:avLst>
+          </a:prstGeom>
+        </p:spPr>
+        <p:style>
+          <a:lnRef idx="2">
+            <a:schemeClr val="accent1">
+              <a:shade val="15000"/>
+            </a:schemeClr>
+          </a:lnRef>
+          <a:fillRef idx="1">
+            <a:schemeClr val="accent1"/>
+          </a:fillRef>
+          <a:effectRef idx="0">
+            <a:schemeClr val="accent1"/>
+          </a:effectRef>
+          <a:fontRef idx="minor">
+            <a:schemeClr val="lt1"/>
+          </a:fontRef>
+        </p:style>
+        <p:txBody>
+          <a:bodyPr rtlCol="0" anchor="ctr"/>
+          <a:lstStyle/>
+          <a:p>
+            <a:pPr algn="ctr"/>
+            <a:r>
+              <a:rPr kumimoji="1" lang="en-US" altLang="ja-JP" dirty="0"/>
+              <a:t>7</a:t>
+            </a:r>
+            <a:r>
+              <a:rPr kumimoji="1" lang="ja-JP" altLang="en-US" dirty="0"/>
+              <a:t>セグ</a:t>
+            </a:r>
+          </a:p>
+        </p:txBody>
+      </p:sp>
+      <p:sp>
+        <p:nvSpPr>
+          <p:cNvPr id="14" name="吹き出し: 四角形 13">
+            <a:extLst>
+              <a:ext uri="{FF2B5EF4-FFF2-40B4-BE49-F238E27FC236}">
+                <a16:creationId xmlns:a16="http://schemas.microsoft.com/office/drawing/2014/main" id="{5D5EF740-A7D9-2B6A-DD28-59D17F839E04}"/>
+              </a:ext>
+            </a:extLst>
+          </p:cNvPr>
+          <p:cNvSpPr/>
+          <p:nvPr/>
+        </p:nvSpPr>
+        <p:spPr>
+          <a:xfrm>
+            <a:off x="659960" y="4585067"/>
+            <a:ext cx="2775005" cy="922277"/>
+          </a:xfrm>
+          <a:prstGeom prst="wedgeRectCallout">
+            <a:avLst>
+              <a:gd name="adj1" fmla="val 73741"/>
+              <a:gd name="adj2" fmla="val -11903"/>
+            </a:avLst>
+          </a:prstGeom>
+        </p:spPr>
+        <p:style>
+          <a:lnRef idx="2">
+            <a:schemeClr val="accent1">
+              <a:shade val="15000"/>
+            </a:schemeClr>
+          </a:lnRef>
+          <a:fillRef idx="1">
+            <a:schemeClr val="accent1"/>
+          </a:fillRef>
+          <a:effectRef idx="0">
+            <a:schemeClr val="accent1"/>
+          </a:effectRef>
+          <a:fontRef idx="minor">
+            <a:schemeClr val="lt1"/>
+          </a:fontRef>
+        </p:style>
+        <p:txBody>
+          <a:bodyPr rtlCol="0" anchor="ctr"/>
+          <a:lstStyle/>
+          <a:p>
+            <a:pPr algn="ctr"/>
+            <a:r>
+              <a:rPr kumimoji="1" lang="ja-JP" altLang="en-US"/>
+              <a:t>入力用スイッチ</a:t>
+            </a:r>
+            <a:endParaRPr kumimoji="1" lang="ja-JP" altLang="en-US" dirty="0"/>
+          </a:p>
+        </p:txBody>
+      </p:sp>
+    </p:spTree>
+    <p:extLst>
+      <p:ext uri="{BB962C8B-B14F-4D97-AF65-F5344CB8AC3E}">
+        <p14:creationId xmlns:p14="http://schemas.microsoft.com/office/powerpoint/2010/main" val="2123571786"/>
+      </p:ext>
+    </p:extLst>
+  </p:cSld>
+  <p:clrMapOvr>
+    <a:masterClrMapping/>
+  </p:clrMapOvr>
+</p:sld>
+</file>
+
+<file path=ppt/slides/slide5.xml><?xml version="1.0" encoding="utf-8"?>
+<p:sld xmlns:a="http://schemas.openxmlformats.org/drawingml/2006/main" xmlns:r="http://schemas.openxmlformats.org/officeDocument/2006/relationships" xmlns:p="http://schemas.openxmlformats.org/presentationml/2006/main">
+  <p:cSld>
+    <p:spTree>
+      <p:nvGrpSpPr>
+        <p:cNvPr id="1" name=""/>
+        <p:cNvGrpSpPr/>
+        <p:nvPr/>
+      </p:nvGrpSpPr>
+      <p:grpSpPr>
+        <a:xfrm>
+          <a:off x="0" y="0"/>
+          <a:ext cx="0" cy="0"/>
+          <a:chOff x="0" y="0"/>
+          <a:chExt cx="0" cy="0"/>
+        </a:xfrm>
+      </p:grpSpPr>
+      <p:sp>
+        <p:nvSpPr>
+          <p:cNvPr id="2" name="タイトル 1">
+            <a:extLst>
+              <a:ext uri="{FF2B5EF4-FFF2-40B4-BE49-F238E27FC236}">
+                <a16:creationId xmlns:a16="http://schemas.microsoft.com/office/drawing/2014/main" id="{B06CDBE6-6A66-9244-8A44-B899F6B4DA53}"/>
+              </a:ext>
+            </a:extLst>
+          </p:cNvPr>
+          <p:cNvSpPr>
+            <a:spLocks noGrp="1"/>
+          </p:cNvSpPr>
+          <p:nvPr>
+            <p:ph type="title"/>
+          </p:nvPr>
+        </p:nvSpPr>
+        <p:spPr/>
+        <p:txBody>
+          <a:bodyPr/>
+          <a:lstStyle/>
+          <a:p>
+            <a:r>
+              <a:rPr kumimoji="1" lang="ja-JP" altLang="en-US" dirty="0"/>
+              <a:t>新歓基板の概要</a:t>
+            </a:r>
+          </a:p>
+        </p:txBody>
+      </p:sp>
+      <p:sp>
+        <p:nvSpPr>
+          <p:cNvPr id="3" name="テキスト プレースホルダー 2">
+            <a:extLst>
+              <a:ext uri="{FF2B5EF4-FFF2-40B4-BE49-F238E27FC236}">
+                <a16:creationId xmlns:a16="http://schemas.microsoft.com/office/drawing/2014/main" id="{7C2A9374-145D-190D-4B65-686B3DD01411}"/>
+              </a:ext>
+            </a:extLst>
+          </p:cNvPr>
+          <p:cNvSpPr>
+            <a:spLocks noGrp="1"/>
+          </p:cNvSpPr>
+          <p:nvPr>
+            <p:ph type="body" idx="1"/>
+          </p:nvPr>
+        </p:nvSpPr>
+        <p:spPr/>
+        <p:txBody>
+          <a:bodyPr/>
+          <a:lstStyle/>
+          <a:p>
+            <a:r>
+              <a:rPr kumimoji="1" lang="ja-JP" altLang="en-US" dirty="0"/>
+              <a:t>スイッチの色は違うことがあります。</a:t>
+            </a:r>
+          </a:p>
+        </p:txBody>
+      </p:sp>
+    </p:spTree>
+    <p:extLst>
+      <p:ext uri="{BB962C8B-B14F-4D97-AF65-F5344CB8AC3E}">
+        <p14:creationId xmlns:p14="http://schemas.microsoft.com/office/powerpoint/2010/main" val="3506059884"/>
+      </p:ext>
+    </p:extLst>
+  </p:cSld>
+  <p:clrMapOvr>
+    <a:masterClrMapping/>
+  </p:clrMapOvr>
+</p:sld>
+</file>
+
+<file path=ppt/slides/slide6.xml><?xml version="1.0" encoding="utf-8"?>
+<p:sld xmlns:a="http://schemas.openxmlformats.org/drawingml/2006/main" xmlns:r="http://schemas.openxmlformats.org/officeDocument/2006/relationships" xmlns:p="http://schemas.openxmlformats.org/presentationml/2006/main">
+  <p:cSld>
+    <p:spTree>
+      <p:nvGrpSpPr>
+        <p:cNvPr id="1" name=""/>
+        <p:cNvGrpSpPr/>
+        <p:nvPr/>
+      </p:nvGrpSpPr>
+      <p:grpSpPr>
+        <a:xfrm>
+          <a:off x="0" y="0"/>
+          <a:ext cx="0" cy="0"/>
+          <a:chOff x="0" y="0"/>
+          <a:chExt cx="0" cy="0"/>
+        </a:xfrm>
+      </p:grpSpPr>
+      <p:sp>
+        <p:nvSpPr>
+          <p:cNvPr id="2" name="タイトル 1">
+            <a:extLst>
+              <a:ext uri="{FF2B5EF4-FFF2-40B4-BE49-F238E27FC236}">
+                <a16:creationId xmlns:a16="http://schemas.microsoft.com/office/drawing/2014/main" id="{7D334096-9844-0C25-D81A-6C7BDB5BADCE}"/>
+              </a:ext>
+            </a:extLst>
+          </p:cNvPr>
+          <p:cNvSpPr>
+            <a:spLocks noGrp="1"/>
+          </p:cNvSpPr>
+          <p:nvPr>
+            <p:ph type="title"/>
+          </p:nvPr>
+        </p:nvSpPr>
+        <p:spPr/>
+        <p:txBody>
+          <a:bodyPr/>
+          <a:lstStyle/>
+          <a:p>
+            <a:endParaRPr kumimoji="1" lang="ja-JP" altLang="en-US"/>
+          </a:p>
+        </p:txBody>
+      </p:sp>
+      <p:sp>
+        <p:nvSpPr>
+          <p:cNvPr id="3" name="テキスト プレースホルダー 2">
+            <a:extLst>
+              <a:ext uri="{FF2B5EF4-FFF2-40B4-BE49-F238E27FC236}">
+                <a16:creationId xmlns:a16="http://schemas.microsoft.com/office/drawing/2014/main" id="{BB55794D-BA64-4CC5-A359-104CA83D5620}"/>
+              </a:ext>
+            </a:extLst>
+          </p:cNvPr>
+          <p:cNvSpPr>
+            <a:spLocks noGrp="1"/>
+          </p:cNvSpPr>
+          <p:nvPr>
+            <p:ph type="body" idx="1"/>
+          </p:nvPr>
+        </p:nvSpPr>
+        <p:spPr/>
+        <p:txBody>
+          <a:bodyPr/>
+          <a:lstStyle/>
+          <a:p>
+            <a:endParaRPr kumimoji="1" lang="ja-JP" altLang="en-US"/>
+          </a:p>
+        </p:txBody>
+      </p:sp>
+      <p:pic>
+        <p:nvPicPr>
+          <p:cNvPr id="5" name="図 4">
+            <a:extLst>
+              <a:ext uri="{FF2B5EF4-FFF2-40B4-BE49-F238E27FC236}">
+                <a16:creationId xmlns:a16="http://schemas.microsoft.com/office/drawing/2014/main" id="{B27E2665-DA78-AFC3-23B6-5627D33323B1}"/>
+              </a:ext>
+            </a:extLst>
+          </p:cNvPr>
+          <p:cNvPicPr>
+            <a:picLocks noChangeAspect="1"/>
+          </p:cNvPicPr>
+          <p:nvPr/>
+        </p:nvPicPr>
+        <p:blipFill>
+          <a:blip r:embed="rId2"/>
+          <a:stretch>
+            <a:fillRect/>
+          </a:stretch>
+        </p:blipFill>
+        <p:spPr>
+          <a:xfrm>
+            <a:off x="135807" y="1306065"/>
+            <a:ext cx="8411846" cy="5090759"/>
+          </a:xfrm>
+          <a:prstGeom prst="rect">
+            <a:avLst/>
+          </a:prstGeom>
+        </p:spPr>
+      </p:pic>
+      <p:sp>
+        <p:nvSpPr>
+          <p:cNvPr id="6" name="正方形/長方形 5">
+            <a:extLst>
+              <a:ext uri="{FF2B5EF4-FFF2-40B4-BE49-F238E27FC236}">
+                <a16:creationId xmlns:a16="http://schemas.microsoft.com/office/drawing/2014/main" id="{23D7DF89-8A42-3F34-77C7-264D1F4FA95A}"/>
+              </a:ext>
+            </a:extLst>
+          </p:cNvPr>
+          <p:cNvSpPr/>
+          <p:nvPr/>
+        </p:nvSpPr>
+        <p:spPr>
+          <a:xfrm>
+            <a:off x="238539" y="2019631"/>
+            <a:ext cx="3275938" cy="691764"/>
+          </a:xfrm>
+          <a:prstGeom prst="rect">
+            <a:avLst/>
+          </a:prstGeom>
+          <a:noFill/>
+          <a:ln>
+            <a:solidFill>
+              <a:srgbClr val="FF0000"/>
+            </a:solidFill>
+          </a:ln>
+        </p:spPr>
+        <p:style>
+          <a:lnRef idx="2">
+            <a:schemeClr val="accent1">
+              <a:shade val="15000"/>
+            </a:schemeClr>
+          </a:lnRef>
+          <a:fillRef idx="1">
+            <a:schemeClr val="accent1"/>
+          </a:fillRef>
+          <a:effectRef idx="0">
+            <a:schemeClr val="accent1"/>
+          </a:effectRef>
+          <a:fontRef idx="minor">
+            <a:schemeClr val="lt1"/>
+          </a:fontRef>
+        </p:style>
+        <p:txBody>
+          <a:bodyPr rtlCol="0" anchor="ctr"/>
+          <a:lstStyle/>
+          <a:p>
+            <a:pPr algn="ctr"/>
+            <a:endParaRPr kumimoji="1" lang="ja-JP" altLang="en-US"/>
+          </a:p>
+        </p:txBody>
+      </p:sp>
+      <p:sp>
+        <p:nvSpPr>
+          <p:cNvPr id="7" name="正方形/長方形 6">
+            <a:extLst>
+              <a:ext uri="{FF2B5EF4-FFF2-40B4-BE49-F238E27FC236}">
+                <a16:creationId xmlns:a16="http://schemas.microsoft.com/office/drawing/2014/main" id="{B4C83609-CB7F-33FD-B644-866F5E792C23}"/>
+              </a:ext>
+            </a:extLst>
+          </p:cNvPr>
+          <p:cNvSpPr/>
+          <p:nvPr/>
+        </p:nvSpPr>
+        <p:spPr>
+          <a:xfrm>
+            <a:off x="238539" y="2830590"/>
+            <a:ext cx="3275938" cy="691764"/>
+          </a:xfrm>
+          <a:prstGeom prst="rect">
+            <a:avLst/>
+          </a:prstGeom>
+          <a:noFill/>
+          <a:ln>
+            <a:solidFill>
+              <a:srgbClr val="FF0000"/>
+            </a:solidFill>
+          </a:ln>
+        </p:spPr>
+        <p:style>
+          <a:lnRef idx="2">
+            <a:schemeClr val="accent1">
+              <a:shade val="15000"/>
+            </a:schemeClr>
+          </a:lnRef>
+          <a:fillRef idx="1">
+            <a:schemeClr val="accent1"/>
+          </a:fillRef>
+          <a:effectRef idx="0">
+            <a:schemeClr val="accent1"/>
+          </a:effectRef>
+          <a:fontRef idx="minor">
+            <a:schemeClr val="lt1"/>
+          </a:fontRef>
+        </p:style>
+        <p:txBody>
+          <a:bodyPr rtlCol="0" anchor="ctr"/>
+          <a:lstStyle/>
+          <a:p>
+            <a:pPr algn="ctr"/>
+            <a:endParaRPr kumimoji="1" lang="ja-JP" altLang="en-US"/>
+          </a:p>
+        </p:txBody>
+      </p:sp>
+      <p:sp>
+        <p:nvSpPr>
+          <p:cNvPr id="8" name="正方形/長方形 7">
+            <a:extLst>
+              <a:ext uri="{FF2B5EF4-FFF2-40B4-BE49-F238E27FC236}">
+                <a16:creationId xmlns:a16="http://schemas.microsoft.com/office/drawing/2014/main" id="{3A2BDBBE-98E9-0588-5CE5-41C81292B4BE}"/>
+              </a:ext>
+            </a:extLst>
+          </p:cNvPr>
+          <p:cNvSpPr/>
+          <p:nvPr/>
+        </p:nvSpPr>
+        <p:spPr>
+          <a:xfrm>
+            <a:off x="238539" y="6115837"/>
+            <a:ext cx="1208598" cy="255132"/>
+          </a:xfrm>
+          <a:prstGeom prst="rect">
+            <a:avLst/>
+          </a:prstGeom>
+          <a:noFill/>
+          <a:ln>
+            <a:solidFill>
+              <a:srgbClr val="FF0000"/>
+            </a:solidFill>
+          </a:ln>
+        </p:spPr>
+        <p:style>
+          <a:lnRef idx="2">
+            <a:schemeClr val="accent1">
+              <a:shade val="15000"/>
+            </a:schemeClr>
+          </a:lnRef>
+          <a:fillRef idx="1">
+            <a:schemeClr val="accent1"/>
+          </a:fillRef>
+          <a:effectRef idx="0">
+            <a:schemeClr val="accent1"/>
+          </a:effectRef>
+          <a:fontRef idx="minor">
+            <a:schemeClr val="lt1"/>
+          </a:fontRef>
+        </p:style>
+        <p:txBody>
+          <a:bodyPr rtlCol="0" anchor="ctr"/>
+          <a:lstStyle/>
+          <a:p>
+            <a:pPr algn="ctr"/>
+            <a:endParaRPr kumimoji="1" lang="ja-JP" altLang="en-US"/>
+          </a:p>
+        </p:txBody>
+      </p:sp>
+      <p:sp>
+        <p:nvSpPr>
+          <p:cNvPr id="9" name="正方形/長方形 8">
+            <a:extLst>
+              <a:ext uri="{FF2B5EF4-FFF2-40B4-BE49-F238E27FC236}">
+                <a16:creationId xmlns:a16="http://schemas.microsoft.com/office/drawing/2014/main" id="{DDBCE6BC-6258-1D39-1B9A-B019393A3298}"/>
+              </a:ext>
+            </a:extLst>
+          </p:cNvPr>
+          <p:cNvSpPr/>
+          <p:nvPr/>
+        </p:nvSpPr>
+        <p:spPr>
+          <a:xfrm>
+            <a:off x="779229" y="5830195"/>
+            <a:ext cx="818983" cy="189534"/>
+          </a:xfrm>
+          <a:prstGeom prst="rect">
+            <a:avLst/>
+          </a:prstGeom>
+          <a:noFill/>
+          <a:ln>
+            <a:solidFill>
+              <a:srgbClr val="FF0000"/>
+            </a:solidFill>
+          </a:ln>
+        </p:spPr>
+        <p:style>
+          <a:lnRef idx="2">
+            <a:schemeClr val="accent1">
+              <a:shade val="15000"/>
+            </a:schemeClr>
+          </a:lnRef>
+          <a:fillRef idx="1">
+            <a:schemeClr val="accent1"/>
+          </a:fillRef>
+          <a:effectRef idx="0">
+            <a:schemeClr val="accent1"/>
+          </a:effectRef>
+          <a:fontRef idx="minor">
+            <a:schemeClr val="lt1"/>
+          </a:fontRef>
+        </p:style>
+        <p:txBody>
+          <a:bodyPr rtlCol="0" anchor="ctr"/>
+          <a:lstStyle/>
+          <a:p>
+            <a:pPr algn="ctr"/>
+            <a:endParaRPr kumimoji="1" lang="ja-JP" altLang="en-US"/>
+          </a:p>
+        </p:txBody>
+      </p:sp>
+      <p:sp>
+        <p:nvSpPr>
+          <p:cNvPr id="10" name="吹き出し: 四角形 9">
+            <a:extLst>
+              <a:ext uri="{FF2B5EF4-FFF2-40B4-BE49-F238E27FC236}">
+                <a16:creationId xmlns:a16="http://schemas.microsoft.com/office/drawing/2014/main" id="{4E8125C5-DD91-C12D-BAAB-3554A3447277}"/>
+              </a:ext>
+            </a:extLst>
+          </p:cNvPr>
+          <p:cNvSpPr/>
+          <p:nvPr/>
+        </p:nvSpPr>
+        <p:spPr>
+          <a:xfrm>
+            <a:off x="4245997" y="1908313"/>
+            <a:ext cx="2775005" cy="922277"/>
+          </a:xfrm>
+          <a:prstGeom prst="wedgeRectCallout">
+            <a:avLst>
+              <a:gd name="adj1" fmla="val -74128"/>
+              <a:gd name="adj2" fmla="val 11634"/>
+            </a:avLst>
+          </a:prstGeom>
+        </p:spPr>
+        <p:style>
+          <a:lnRef idx="2">
+            <a:schemeClr val="accent1">
+              <a:shade val="15000"/>
+            </a:schemeClr>
+          </a:lnRef>
+          <a:fillRef idx="1">
+            <a:schemeClr val="accent1"/>
+          </a:fillRef>
+          <a:effectRef idx="0">
+            <a:schemeClr val="accent1"/>
+          </a:effectRef>
+          <a:fontRef idx="minor">
+            <a:schemeClr val="lt1"/>
+          </a:fontRef>
+        </p:style>
+        <p:txBody>
+          <a:bodyPr rtlCol="0" anchor="ctr"/>
+          <a:lstStyle/>
+          <a:p>
+            <a:pPr algn="ctr"/>
+            <a:r>
+              <a:rPr kumimoji="1" lang="ja-JP" altLang="en-US" dirty="0"/>
+              <a:t>今回使うのは</a:t>
+            </a:r>
+            <a:r>
+              <a:rPr kumimoji="1" lang="en-US" altLang="ja-JP" dirty="0"/>
+              <a:t>CH32V203K8T6</a:t>
+            </a:r>
+            <a:r>
+              <a:rPr kumimoji="1" lang="ja-JP" altLang="en-US" dirty="0"/>
+              <a:t>なのでそれに設定、ポートは</a:t>
+            </a:r>
+            <a:r>
+              <a:rPr kumimoji="1" lang="en-US" altLang="ja-JP" dirty="0"/>
+              <a:t>USB</a:t>
+            </a:r>
+            <a:endParaRPr kumimoji="1" lang="ja-JP" altLang="en-US" dirty="0"/>
+          </a:p>
+        </p:txBody>
+      </p:sp>
+      <p:sp>
+        <p:nvSpPr>
+          <p:cNvPr id="11" name="吹き出し: 四角形 10">
+            <a:extLst>
+              <a:ext uri="{FF2B5EF4-FFF2-40B4-BE49-F238E27FC236}">
+                <a16:creationId xmlns:a16="http://schemas.microsoft.com/office/drawing/2014/main" id="{57105AD1-F3C9-1FD0-E7D6-12C3DBCDDA05}"/>
+              </a:ext>
+            </a:extLst>
+          </p:cNvPr>
+          <p:cNvSpPr/>
+          <p:nvPr/>
+        </p:nvSpPr>
+        <p:spPr>
+          <a:xfrm>
+            <a:off x="4245997" y="2929167"/>
+            <a:ext cx="2775005" cy="922277"/>
+          </a:xfrm>
+          <a:prstGeom prst="wedgeRectCallout">
+            <a:avLst>
+              <a:gd name="adj1" fmla="val -74128"/>
+              <a:gd name="adj2" fmla="val 11634"/>
+            </a:avLst>
+          </a:prstGeom>
+        </p:spPr>
+        <p:style>
+          <a:lnRef idx="2">
+            <a:schemeClr val="accent1">
+              <a:shade val="15000"/>
+            </a:schemeClr>
+          </a:lnRef>
+          <a:fillRef idx="1">
+            <a:schemeClr val="accent1"/>
+          </a:fillRef>
+          <a:effectRef idx="0">
+            <a:schemeClr val="accent1"/>
+          </a:effectRef>
+          <a:fontRef idx="minor">
+            <a:schemeClr val="lt1"/>
+          </a:fontRef>
+        </p:style>
+        <p:txBody>
+          <a:bodyPr rtlCol="0" anchor="ctr"/>
+          <a:lstStyle/>
+          <a:p>
+            <a:pPr algn="ctr"/>
+            <a:r>
+              <a:rPr kumimoji="1" lang="ja-JP" altLang="en-US" dirty="0"/>
+              <a:t>ここで作ったファイルを指定する</a:t>
+            </a:r>
+          </a:p>
+        </p:txBody>
+      </p:sp>
+      <p:sp>
+        <p:nvSpPr>
+          <p:cNvPr id="12" name="吹き出し: 四角形 11">
+            <a:extLst>
+              <a:ext uri="{FF2B5EF4-FFF2-40B4-BE49-F238E27FC236}">
+                <a16:creationId xmlns:a16="http://schemas.microsoft.com/office/drawing/2014/main" id="{F9038A7E-B6A7-39FD-42FA-6D5044AD3EA3}"/>
+              </a:ext>
+            </a:extLst>
+          </p:cNvPr>
+          <p:cNvSpPr/>
+          <p:nvPr/>
+        </p:nvSpPr>
+        <p:spPr>
+          <a:xfrm>
+            <a:off x="4126727" y="5937143"/>
+            <a:ext cx="2775005" cy="922277"/>
+          </a:xfrm>
+          <a:prstGeom prst="wedgeRectCallout">
+            <a:avLst>
+              <a:gd name="adj1" fmla="val -142609"/>
+              <a:gd name="adj2" fmla="val -4747"/>
+            </a:avLst>
+          </a:prstGeom>
+        </p:spPr>
+        <p:style>
+          <a:lnRef idx="2">
+            <a:schemeClr val="accent1">
+              <a:shade val="15000"/>
+            </a:schemeClr>
+          </a:lnRef>
+          <a:fillRef idx="1">
+            <a:schemeClr val="accent1"/>
+          </a:fillRef>
+          <a:effectRef idx="0">
+            <a:schemeClr val="accent1"/>
+          </a:effectRef>
+          <a:fontRef idx="minor">
+            <a:schemeClr val="lt1"/>
+          </a:fontRef>
+        </p:style>
+        <p:txBody>
+          <a:bodyPr rtlCol="0" anchor="ctr"/>
+          <a:lstStyle/>
+          <a:p>
+            <a:pPr algn="ctr"/>
+            <a:r>
+              <a:rPr kumimoji="1" lang="en-US" altLang="ja-JP" dirty="0"/>
+              <a:t>Ch32V203 detected </a:t>
+            </a:r>
+            <a:r>
+              <a:rPr kumimoji="1" lang="ja-JP" altLang="en-US" dirty="0"/>
+              <a:t>と表示されれば</a:t>
+            </a:r>
+            <a:r>
+              <a:rPr kumimoji="1" lang="en-US" altLang="ja-JP" dirty="0"/>
+              <a:t>OK</a:t>
+            </a:r>
+            <a:endParaRPr kumimoji="1" lang="ja-JP" altLang="en-US" dirty="0"/>
+          </a:p>
+        </p:txBody>
+      </p:sp>
+      <p:sp>
+        <p:nvSpPr>
+          <p:cNvPr id="13" name="吹き出し: 四角形 12">
+            <a:extLst>
+              <a:ext uri="{FF2B5EF4-FFF2-40B4-BE49-F238E27FC236}">
+                <a16:creationId xmlns:a16="http://schemas.microsoft.com/office/drawing/2014/main" id="{A94FE8CD-A3FA-C4C1-4801-E365D71B16F4}"/>
+              </a:ext>
+            </a:extLst>
+          </p:cNvPr>
+          <p:cNvSpPr/>
+          <p:nvPr/>
+        </p:nvSpPr>
+        <p:spPr>
+          <a:xfrm>
+            <a:off x="3999506" y="4734280"/>
+            <a:ext cx="2775005" cy="922277"/>
+          </a:xfrm>
+          <a:prstGeom prst="wedgeRectCallout">
+            <a:avLst>
+              <a:gd name="adj1" fmla="val -143182"/>
+              <a:gd name="adj2" fmla="val 53016"/>
+            </a:avLst>
+          </a:prstGeom>
+        </p:spPr>
+        <p:style>
+          <a:lnRef idx="2">
+            <a:schemeClr val="accent1">
+              <a:shade val="15000"/>
+            </a:schemeClr>
+          </a:lnRef>
+          <a:fillRef idx="1">
+            <a:schemeClr val="accent1"/>
+          </a:fillRef>
+          <a:effectRef idx="0">
+            <a:schemeClr val="accent1"/>
+          </a:effectRef>
+          <a:fontRef idx="minor">
+            <a:schemeClr val="lt1"/>
+          </a:fontRef>
+        </p:style>
+        <p:txBody>
+          <a:bodyPr rtlCol="0" anchor="ctr"/>
+          <a:lstStyle/>
+          <a:p>
+            <a:pPr algn="ctr"/>
+            <a:r>
+              <a:rPr kumimoji="1" lang="en-US" altLang="ja-JP" dirty="0"/>
+              <a:t>Download</a:t>
+            </a:r>
+            <a:r>
+              <a:rPr kumimoji="1" lang="ja-JP" altLang="en-US" dirty="0"/>
+              <a:t>で書き込み</a:t>
+            </a:r>
+          </a:p>
+        </p:txBody>
+      </p:sp>
+    </p:spTree>
+    <p:extLst>
+      <p:ext uri="{BB962C8B-B14F-4D97-AF65-F5344CB8AC3E}">
+        <p14:creationId xmlns:p14="http://schemas.microsoft.com/office/powerpoint/2010/main" val="2339037926"/>
+      </p:ext>
+    </p:extLst>
+  </p:cSld>
+  <p:clrMapOvr>
+    <a:masterClrMapping/>
+  </p:clrMapOvr>
+</p:sld>
+</file>
+
+<file path=ppt/slides/slide7.xml><?xml version="1.0" encoding="utf-8"?>
+<p:sld xmlns:a="http://schemas.openxmlformats.org/drawingml/2006/main" xmlns:r="http://schemas.openxmlformats.org/officeDocument/2006/relationships" xmlns:p="http://schemas.openxmlformats.org/presentationml/2006/main">
+  <p:cSld>
+    <p:spTree>
+      <p:nvGrpSpPr>
+        <p:cNvPr id="1" name=""/>
+        <p:cNvGrpSpPr/>
+        <p:nvPr/>
+      </p:nvGrpSpPr>
+      <p:grpSpPr>
+        <a:xfrm>
+          <a:off x="0" y="0"/>
+          <a:ext cx="0" cy="0"/>
+          <a:chOff x="0" y="0"/>
+          <a:chExt cx="0" cy="0"/>
+        </a:xfrm>
+      </p:grpSpPr>
+      <p:sp>
+        <p:nvSpPr>
+          <p:cNvPr id="2" name="タイトル 1">
+            <a:extLst>
+              <a:ext uri="{FF2B5EF4-FFF2-40B4-BE49-F238E27FC236}">
+                <a16:creationId xmlns:a16="http://schemas.microsoft.com/office/drawing/2014/main" id="{54B5FDCB-8927-5F44-E971-06252CC256F7}"/>
+              </a:ext>
+            </a:extLst>
+          </p:cNvPr>
+          <p:cNvSpPr>
+            <a:spLocks noGrp="1"/>
+          </p:cNvSpPr>
+          <p:nvPr>
+            <p:ph type="title"/>
+          </p:nvPr>
+        </p:nvSpPr>
+        <p:spPr/>
+        <p:txBody>
+          <a:bodyPr/>
+          <a:lstStyle/>
+          <a:p>
+            <a:r>
+              <a:rPr kumimoji="1" lang="ja-JP" altLang="en-US" dirty="0"/>
+              <a:t>スケッチを</a:t>
+            </a:r>
+            <a:r>
+              <a:rPr kumimoji="1" lang="en-US" altLang="ja-JP" dirty="0" err="1"/>
+              <a:t>WSHISPStudino</a:t>
+            </a:r>
+            <a:r>
+              <a:rPr kumimoji="1" lang="ja-JP" altLang="en-US" dirty="0"/>
+              <a:t>に入れる</a:t>
+            </a:r>
+          </a:p>
+        </p:txBody>
+      </p:sp>
+      <p:sp>
+        <p:nvSpPr>
+          <p:cNvPr id="3" name="テキスト プレースホルダー 2">
+            <a:extLst>
+              <a:ext uri="{FF2B5EF4-FFF2-40B4-BE49-F238E27FC236}">
+                <a16:creationId xmlns:a16="http://schemas.microsoft.com/office/drawing/2014/main" id="{0C46D07E-BEED-FB65-CA08-EA6851157E05}"/>
+              </a:ext>
+            </a:extLst>
+          </p:cNvPr>
+          <p:cNvSpPr>
+            <a:spLocks noGrp="1"/>
+          </p:cNvSpPr>
+          <p:nvPr>
+            <p:ph type="body" idx="1"/>
+          </p:nvPr>
+        </p:nvSpPr>
+        <p:spPr/>
+        <p:txBody>
+          <a:bodyPr/>
+          <a:lstStyle/>
+          <a:p>
+            <a:pPr marL="628650" indent="-514350">
+              <a:buFont typeface="+mj-lt"/>
+              <a:buAutoNum type="arabicPeriod"/>
+            </a:pPr>
+            <a:r>
+              <a:rPr kumimoji="1" lang="en-US" altLang="ja-JP" dirty="0"/>
+              <a:t>Arduino</a:t>
+            </a:r>
+            <a:r>
+              <a:rPr kumimoji="1" lang="ja-JP" altLang="en-US" dirty="0"/>
+              <a:t>の「スケッチ</a:t>
+            </a:r>
+            <a:r>
+              <a:rPr kumimoji="1" lang="en-US" altLang="ja-JP" dirty="0"/>
+              <a:t>/</a:t>
+            </a:r>
+            <a:r>
+              <a:rPr kumimoji="1" lang="ja-JP" altLang="en-US" dirty="0"/>
+              <a:t>コンパイルしたバイナリを出力」を選択</a:t>
+            </a:r>
+            <a:endParaRPr kumimoji="1" lang="en-US" altLang="ja-JP" dirty="0"/>
+          </a:p>
+          <a:p>
+            <a:pPr marL="628650" indent="-514350">
+              <a:buFont typeface="+mj-lt"/>
+              <a:buAutoNum type="arabicPeriod"/>
+            </a:pPr>
+            <a:r>
+              <a:rPr kumimoji="1" lang="ja-JP" altLang="en-US" dirty="0"/>
+              <a:t>スケッチが入っているフォルダにアクセスすると「ファイル名</a:t>
+            </a:r>
+            <a:r>
+              <a:rPr kumimoji="1" lang="en-US" altLang="ja-JP" dirty="0"/>
+              <a:t>.bin</a:t>
+            </a:r>
+            <a:r>
+              <a:rPr kumimoji="1" lang="ja-JP" altLang="en-US" dirty="0"/>
+              <a:t>」というファイルのができている</a:t>
+            </a:r>
+            <a:endParaRPr kumimoji="1" lang="en-US" altLang="ja-JP" dirty="0"/>
+          </a:p>
+          <a:p>
+            <a:pPr marL="628650" indent="-514350">
+              <a:buFont typeface="+mj-lt"/>
+              <a:buAutoNum type="arabicPeriod"/>
+            </a:pPr>
+            <a:r>
+              <a:rPr kumimoji="1" lang="en-US" altLang="ja-JP" dirty="0" err="1"/>
+              <a:t>WCHISPStudio</a:t>
+            </a:r>
+            <a:r>
+              <a:rPr kumimoji="1" lang="ja-JP" altLang="en-US" dirty="0"/>
+              <a:t>でその</a:t>
+            </a:r>
+            <a:r>
+              <a:rPr kumimoji="1" lang="en-US" altLang="ja-JP" dirty="0"/>
+              <a:t>.bin</a:t>
+            </a:r>
+            <a:r>
+              <a:rPr kumimoji="1" lang="ja-JP" altLang="en-US" dirty="0"/>
+              <a:t>ファイルを選択</a:t>
+            </a:r>
+            <a:endParaRPr kumimoji="1" lang="en-US" altLang="ja-JP" dirty="0"/>
+          </a:p>
+          <a:p>
+            <a:pPr marL="628650" indent="-514350">
+              <a:buFont typeface="+mj-lt"/>
+              <a:buAutoNum type="arabicPeriod"/>
+            </a:pPr>
+            <a:endParaRPr kumimoji="1" lang="en-US" altLang="ja-JP" dirty="0"/>
+          </a:p>
+        </p:txBody>
+      </p:sp>
+    </p:spTree>
+    <p:extLst>
+      <p:ext uri="{BB962C8B-B14F-4D97-AF65-F5344CB8AC3E}">
+        <p14:creationId xmlns:p14="http://schemas.microsoft.com/office/powerpoint/2010/main" val="3200813187"/>
+      </p:ext>
+    </p:extLst>
+  </p:cSld>
+  <p:clrMapOvr>
+    <a:masterClrMapping/>
+  </p:clrMapOvr>
+</p:sld>
+</file>
+
+<file path=ppt/slides/slide8.xml><?xml version="1.0" encoding="utf-8"?>
 <p:sld xmlns:a="http://schemas.openxmlformats.org/drawingml/2006/main" xmlns:r="http://schemas.openxmlformats.org/officeDocument/2006/relationships" xmlns:p="http://schemas.openxmlformats.org/presentationml/2006/main">
   <p:cSld>
     <p:spTree>
@@ -13284,7 +16255,7 @@
 </p:sld>
 </file>
 
-<file path=ppt/slides/slide4.xml><?xml version="1.0" encoding="utf-8"?>
+<file path=ppt/slides/slide9.xml><?xml version="1.0" encoding="utf-8"?>
 <p:sld xmlns:a="http://schemas.openxmlformats.org/drawingml/2006/main" xmlns:r="http://schemas.openxmlformats.org/officeDocument/2006/relationships" xmlns:p="http://schemas.openxmlformats.org/presentationml/2006/main">
   <p:cSld>
     <p:spTree>
@@ -13662,1331 +16633,6 @@
         </p:txBody>
       </p:sp>
     </p:spTree>
-  </p:cSld>
-  <p:clrMapOvr>
-    <a:masterClrMapping/>
-  </p:clrMapOvr>
-</p:sld>
-</file>
-
-<file path=ppt/slides/slide5.xml><?xml version="1.0" encoding="utf-8"?>
-<p:sld xmlns:a="http://schemas.openxmlformats.org/drawingml/2006/main" xmlns:r="http://schemas.openxmlformats.org/officeDocument/2006/relationships" xmlns:p="http://schemas.openxmlformats.org/presentationml/2006/main">
-  <p:cSld>
-    <p:spTree>
-      <p:nvGrpSpPr>
-        <p:cNvPr id="1" name="Shape 84">
-          <a:extLst>
-            <a:ext uri="{FF2B5EF4-FFF2-40B4-BE49-F238E27FC236}">
-              <a16:creationId xmlns:a16="http://schemas.microsoft.com/office/drawing/2014/main" id="{D91BFF67-46B7-F4B4-5EED-03158A018E44}"/>
-            </a:ext>
-          </a:extLst>
-        </p:cNvPr>
-        <p:cNvGrpSpPr/>
-        <p:nvPr/>
-      </p:nvGrpSpPr>
-      <p:grpSpPr>
-        <a:xfrm>
-          <a:off x="0" y="0"/>
-          <a:ext cx="0" cy="0"/>
-          <a:chOff x="0" y="0"/>
-          <a:chExt cx="0" cy="0"/>
-        </a:xfrm>
-      </p:grpSpPr>
-      <p:sp>
-        <p:nvSpPr>
-          <p:cNvPr id="85" name="Google Shape;85;p11">
-            <a:extLst>
-              <a:ext uri="{FF2B5EF4-FFF2-40B4-BE49-F238E27FC236}">
-                <a16:creationId xmlns:a16="http://schemas.microsoft.com/office/drawing/2014/main" id="{A1D7C270-E05A-4FF2-A9A2-74002B197D0E}"/>
-              </a:ext>
-            </a:extLst>
-          </p:cNvPr>
-          <p:cNvSpPr txBox="1">
-            <a:spLocks noGrp="1"/>
-          </p:cNvSpPr>
-          <p:nvPr>
-            <p:ph type="title"/>
-          </p:nvPr>
-        </p:nvSpPr>
-        <p:spPr>
-          <a:xfrm>
-            <a:off x="831850" y="1709738"/>
-            <a:ext cx="9679477" cy="2852737"/>
-          </a:xfrm>
-          <a:prstGeom prst="rect">
-            <a:avLst/>
-          </a:prstGeom>
-          <a:noFill/>
-          <a:ln>
-            <a:noFill/>
-          </a:ln>
-        </p:spPr>
-        <p:txBody>
-          <a:bodyPr spcFirstLastPara="1" wrap="square" lIns="91425" tIns="45700" rIns="91425" bIns="45700" anchor="b" anchorCtr="0">
-            <a:normAutofit fontScale="90000"/>
-          </a:bodyPr>
-          <a:lstStyle/>
-          <a:p>
-            <a:r>
-              <a:rPr lang="en-US" altLang="ja-JP" sz="6000" b="0" i="0" u="none" strike="noStrike" cap="none" dirty="0">
-                <a:solidFill>
-                  <a:schemeClr val="dk1"/>
-                </a:solidFill>
-                <a:latin typeface="Calibri"/>
-                <a:ea typeface="Calibri"/>
-                <a:cs typeface="Calibri"/>
-                <a:sym typeface="Calibri"/>
-              </a:rPr>
-              <a:t>2. LED</a:t>
-            </a:r>
-            <a:r>
-              <a:rPr lang="ja-JP" altLang="en-US" sz="6000" b="0" i="0" u="none" strike="noStrike" cap="none" dirty="0">
-                <a:solidFill>
-                  <a:schemeClr val="dk1"/>
-                </a:solidFill>
-                <a:latin typeface="Calibri"/>
-                <a:ea typeface="Calibri"/>
-                <a:cs typeface="Calibri"/>
-                <a:sym typeface="Calibri"/>
-              </a:rPr>
-              <a:t>をピカピカ光らせよう！</a:t>
-            </a:r>
-            <a:br>
-              <a:rPr lang="en-US" altLang="ja-JP" sz="6000" b="0" i="0" u="none" strike="noStrike" cap="none" dirty="0">
-                <a:solidFill>
-                  <a:schemeClr val="dk1"/>
-                </a:solidFill>
-                <a:latin typeface="Calibri"/>
-                <a:ea typeface="Calibri"/>
-                <a:cs typeface="Calibri"/>
-                <a:sym typeface="Calibri"/>
-              </a:rPr>
-            </a:br>
-            <a:br>
-              <a:rPr lang="en-US" altLang="ja-JP" sz="6000" b="0" i="0" u="none" strike="noStrike" cap="none" dirty="0">
-                <a:solidFill>
-                  <a:schemeClr val="dk1"/>
-                </a:solidFill>
-                <a:latin typeface="Calibri"/>
-                <a:ea typeface="Calibri"/>
-                <a:cs typeface="Calibri"/>
-                <a:sym typeface="Calibri"/>
-              </a:rPr>
-            </a:br>
-            <a:endParaRPr dirty="0"/>
-          </a:p>
-        </p:txBody>
-      </p:sp>
-      <p:sp>
-        <p:nvSpPr>
-          <p:cNvPr id="86" name="Google Shape;86;p11">
-            <a:extLst>
-              <a:ext uri="{FF2B5EF4-FFF2-40B4-BE49-F238E27FC236}">
-                <a16:creationId xmlns:a16="http://schemas.microsoft.com/office/drawing/2014/main" id="{D6B54DED-EA08-9CF6-FB33-81D4BF8068DD}"/>
-              </a:ext>
-            </a:extLst>
-          </p:cNvPr>
-          <p:cNvSpPr txBox="1">
-            <a:spLocks noGrp="1"/>
-          </p:cNvSpPr>
-          <p:nvPr>
-            <p:ph type="body" idx="1"/>
-          </p:nvPr>
-        </p:nvSpPr>
-        <p:spPr>
-          <a:xfrm>
-            <a:off x="831850" y="4786017"/>
-            <a:ext cx="10515600" cy="1500187"/>
-          </a:xfrm>
-          <a:prstGeom prst="rect">
-            <a:avLst/>
-          </a:prstGeom>
-          <a:noFill/>
-          <a:ln>
-            <a:noFill/>
-          </a:ln>
-        </p:spPr>
-        <p:txBody>
-          <a:bodyPr spcFirstLastPara="1" wrap="square" lIns="91425" tIns="45700" rIns="91425" bIns="45700" anchor="t" anchorCtr="0">
-            <a:normAutofit/>
-          </a:bodyPr>
-          <a:lstStyle/>
-          <a:p>
-            <a:pPr marL="0" lvl="0" indent="0" algn="l" rtl="0">
-              <a:lnSpc>
-                <a:spcPct val="90000"/>
-              </a:lnSpc>
-              <a:spcBef>
-                <a:spcPts val="0"/>
-              </a:spcBef>
-              <a:spcAft>
-                <a:spcPts val="0"/>
-              </a:spcAft>
-              <a:buClr>
-                <a:srgbClr val="888888"/>
-              </a:buClr>
-              <a:buSzPts val="2400"/>
-              <a:buNone/>
-            </a:pPr>
-            <a:endParaRPr/>
-          </a:p>
-        </p:txBody>
-      </p:sp>
-    </p:spTree>
-    <p:extLst>
-      <p:ext uri="{BB962C8B-B14F-4D97-AF65-F5344CB8AC3E}">
-        <p14:creationId xmlns:p14="http://schemas.microsoft.com/office/powerpoint/2010/main" val="2853473715"/>
-      </p:ext>
-    </p:extLst>
-  </p:cSld>
-  <p:clrMapOvr>
-    <a:masterClrMapping/>
-  </p:clrMapOvr>
-</p:sld>
-</file>
-
-<file path=ppt/slides/slide6.xml><?xml version="1.0" encoding="utf-8"?>
-<p:sld xmlns:a="http://schemas.openxmlformats.org/drawingml/2006/main" xmlns:r="http://schemas.openxmlformats.org/officeDocument/2006/relationships" xmlns:p="http://schemas.openxmlformats.org/presentationml/2006/main">
-  <p:cSld>
-    <p:spTree>
-      <p:nvGrpSpPr>
-        <p:cNvPr id="1" name="Shape 91">
-          <a:extLst>
-            <a:ext uri="{FF2B5EF4-FFF2-40B4-BE49-F238E27FC236}">
-              <a16:creationId xmlns:a16="http://schemas.microsoft.com/office/drawing/2014/main" id="{3191CF08-8B44-E710-CA0E-3949AAB13305}"/>
-            </a:ext>
-          </a:extLst>
-        </p:cNvPr>
-        <p:cNvGrpSpPr/>
-        <p:nvPr/>
-      </p:nvGrpSpPr>
-      <p:grpSpPr>
-        <a:xfrm>
-          <a:off x="0" y="0"/>
-          <a:ext cx="0" cy="0"/>
-          <a:chOff x="0" y="0"/>
-          <a:chExt cx="0" cy="0"/>
-        </a:xfrm>
-      </p:grpSpPr>
-      <p:sp>
-        <p:nvSpPr>
-          <p:cNvPr id="92" name="Google Shape;92;p12">
-            <a:extLst>
-              <a:ext uri="{FF2B5EF4-FFF2-40B4-BE49-F238E27FC236}">
-                <a16:creationId xmlns:a16="http://schemas.microsoft.com/office/drawing/2014/main" id="{C29A0D31-B95B-156F-D422-B3D6C211337D}"/>
-              </a:ext>
-            </a:extLst>
-          </p:cNvPr>
-          <p:cNvSpPr txBox="1">
-            <a:spLocks noGrp="1"/>
-          </p:cNvSpPr>
-          <p:nvPr>
-            <p:ph type="title"/>
-          </p:nvPr>
-        </p:nvSpPr>
-        <p:spPr>
-          <a:xfrm>
-            <a:off x="0" y="4505"/>
-            <a:ext cx="9272187" cy="1017646"/>
-          </a:xfrm>
-          <a:prstGeom prst="rect">
-            <a:avLst/>
-          </a:prstGeom>
-          <a:noFill/>
-          <a:ln>
-            <a:noFill/>
-          </a:ln>
-        </p:spPr>
-        <p:txBody>
-          <a:bodyPr spcFirstLastPara="1" wrap="square" lIns="91425" tIns="45700" rIns="91425" bIns="45700" anchor="ctr" anchorCtr="0">
-            <a:normAutofit/>
-          </a:bodyPr>
-          <a:lstStyle/>
-          <a:p>
-            <a:pPr marL="635000" marR="0" lvl="1" algn="l" rtl="0">
-              <a:lnSpc>
-                <a:spcPct val="90000"/>
-              </a:lnSpc>
-              <a:spcBef>
-                <a:spcPts val="500"/>
-              </a:spcBef>
-              <a:spcAft>
-                <a:spcPts val="0"/>
-              </a:spcAft>
-              <a:buClr>
-                <a:schemeClr val="dk1"/>
-              </a:buClr>
-              <a:buSzPts val="2800"/>
-            </a:pPr>
-            <a:r>
-              <a:rPr lang="en-US" altLang="ja-JP" sz="4000" b="0" i="0" u="none" strike="noStrike" cap="none" dirty="0">
-                <a:solidFill>
-                  <a:schemeClr val="dk1"/>
-                </a:solidFill>
-                <a:latin typeface="Calibri"/>
-                <a:ea typeface="Calibri"/>
-                <a:cs typeface="Calibri"/>
-                <a:sym typeface="Calibri"/>
-              </a:rPr>
-              <a:t>2. LED</a:t>
-            </a:r>
-            <a:r>
-              <a:rPr lang="ja-JP" altLang="en-US" sz="4000" b="0" i="0" u="none" strike="noStrike" cap="none" dirty="0">
-                <a:solidFill>
-                  <a:schemeClr val="dk1"/>
-                </a:solidFill>
-                <a:latin typeface="Calibri"/>
-                <a:ea typeface="Calibri"/>
-                <a:cs typeface="Calibri"/>
-                <a:sym typeface="Calibri"/>
-              </a:rPr>
-              <a:t>をピカピカ光らせよう！</a:t>
-            </a:r>
-            <a:endParaRPr lang="en-US" altLang="ja-JP" sz="4000" b="0" i="0" u="none" strike="noStrike" cap="none" dirty="0">
-              <a:solidFill>
-                <a:schemeClr val="dk1"/>
-              </a:solidFill>
-              <a:latin typeface="Calibri"/>
-              <a:ea typeface="Calibri"/>
-              <a:cs typeface="Calibri"/>
-              <a:sym typeface="Calibri"/>
-            </a:endParaRPr>
-          </a:p>
-        </p:txBody>
-      </p:sp>
-      <p:sp>
-        <p:nvSpPr>
-          <p:cNvPr id="93" name="Google Shape;93;p12">
-            <a:extLst>
-              <a:ext uri="{FF2B5EF4-FFF2-40B4-BE49-F238E27FC236}">
-                <a16:creationId xmlns:a16="http://schemas.microsoft.com/office/drawing/2014/main" id="{A5B0592A-99A5-0B89-3A06-6C4B934AB07B}"/>
-              </a:ext>
-            </a:extLst>
-          </p:cNvPr>
-          <p:cNvSpPr txBox="1">
-            <a:spLocks noGrp="1"/>
-          </p:cNvSpPr>
-          <p:nvPr>
-            <p:ph type="body" idx="1"/>
-          </p:nvPr>
-        </p:nvSpPr>
-        <p:spPr>
-          <a:xfrm>
-            <a:off x="427383" y="1487227"/>
-            <a:ext cx="10515600" cy="5232549"/>
-          </a:xfrm>
-          <a:prstGeom prst="rect">
-            <a:avLst/>
-          </a:prstGeom>
-          <a:noFill/>
-          <a:ln>
-            <a:noFill/>
-          </a:ln>
-        </p:spPr>
-        <p:txBody>
-          <a:bodyPr spcFirstLastPara="1" wrap="square" lIns="91425" tIns="45700" rIns="91425" bIns="45700" anchor="t" anchorCtr="0">
-            <a:normAutofit lnSpcReduction="10000"/>
-          </a:bodyPr>
-          <a:lstStyle/>
-          <a:p>
-            <a:pPr marL="0" lvl="0" indent="0" algn="l" rtl="0">
-              <a:lnSpc>
-                <a:spcPct val="90000"/>
-              </a:lnSpc>
-              <a:spcBef>
-                <a:spcPts val="0"/>
-              </a:spcBef>
-              <a:spcAft>
-                <a:spcPts val="0"/>
-              </a:spcAft>
-              <a:buClr>
-                <a:schemeClr val="dk1"/>
-              </a:buClr>
-              <a:buSzPts val="2400"/>
-              <a:buNone/>
-            </a:pPr>
-            <a:r>
-              <a:rPr lang="ja-JP" sz="2400" dirty="0"/>
-              <a:t>平文は24 pt　前後を目安にする</a:t>
-            </a:r>
-            <a:endParaRPr sz="2400" dirty="0"/>
-          </a:p>
-          <a:p>
-            <a:pPr marL="0" lvl="0" indent="0" algn="l" rtl="0">
-              <a:lnSpc>
-                <a:spcPct val="90000"/>
-              </a:lnSpc>
-              <a:spcBef>
-                <a:spcPts val="1000"/>
-              </a:spcBef>
-              <a:spcAft>
-                <a:spcPts val="0"/>
-              </a:spcAft>
-              <a:buClr>
-                <a:schemeClr val="dk1"/>
-              </a:buClr>
-              <a:buSzPts val="2400"/>
-              <a:buNone/>
-            </a:pPr>
-            <a:endParaRPr sz="2400" dirty="0"/>
-          </a:p>
-          <a:p>
-            <a:pPr marL="0" lvl="0" indent="0" algn="l" rtl="0">
-              <a:lnSpc>
-                <a:spcPct val="90000"/>
-              </a:lnSpc>
-              <a:spcBef>
-                <a:spcPts val="1000"/>
-              </a:spcBef>
-              <a:spcAft>
-                <a:spcPts val="0"/>
-              </a:spcAft>
-              <a:buClr>
-                <a:schemeClr val="dk1"/>
-              </a:buClr>
-              <a:buSzPts val="2400"/>
-              <a:buNone/>
-            </a:pPr>
-            <a:r>
-              <a:rPr lang="ja-JP" sz="2400" dirty="0"/>
-              <a:t>アニメーションはフェード程度にとどめる</a:t>
-            </a:r>
-            <a:endParaRPr sz="2400" dirty="0"/>
-          </a:p>
-          <a:p>
-            <a:pPr marL="0" lvl="0" indent="0" algn="l" rtl="0">
-              <a:lnSpc>
-                <a:spcPct val="90000"/>
-              </a:lnSpc>
-              <a:spcBef>
-                <a:spcPts val="1000"/>
-              </a:spcBef>
-              <a:spcAft>
-                <a:spcPts val="0"/>
-              </a:spcAft>
-              <a:buClr>
-                <a:schemeClr val="dk1"/>
-              </a:buClr>
-              <a:buSzPts val="2400"/>
-              <a:buNone/>
-            </a:pPr>
-            <a:r>
-              <a:rPr lang="ja-JP" sz="2400" dirty="0"/>
-              <a:t>（必要があれば他にも使ってOK）</a:t>
-            </a:r>
-            <a:endParaRPr sz="2400" dirty="0"/>
-          </a:p>
-          <a:p>
-            <a:pPr marL="0" lvl="0" indent="0" algn="l" rtl="0">
-              <a:lnSpc>
-                <a:spcPct val="90000"/>
-              </a:lnSpc>
-              <a:spcBef>
-                <a:spcPts val="1000"/>
-              </a:spcBef>
-              <a:spcAft>
-                <a:spcPts val="0"/>
-              </a:spcAft>
-              <a:buClr>
-                <a:schemeClr val="dk1"/>
-              </a:buClr>
-              <a:buSzPts val="2400"/>
-              <a:buNone/>
-            </a:pPr>
-            <a:endParaRPr sz="2400" dirty="0"/>
-          </a:p>
-          <a:p>
-            <a:pPr marL="0" lvl="0" indent="0" algn="l" rtl="0">
-              <a:lnSpc>
-                <a:spcPct val="90000"/>
-              </a:lnSpc>
-              <a:spcBef>
-                <a:spcPts val="1000"/>
-              </a:spcBef>
-              <a:spcAft>
-                <a:spcPts val="0"/>
-              </a:spcAft>
-              <a:buClr>
-                <a:schemeClr val="dk1"/>
-              </a:buClr>
-              <a:buSzPts val="2400"/>
-              <a:buNone/>
-            </a:pPr>
-            <a:r>
-              <a:rPr lang="ja-JP" sz="2400" b="1" u="sng" dirty="0"/>
-              <a:t>強調</a:t>
-            </a:r>
-            <a:r>
-              <a:rPr lang="ja-JP" sz="2400" dirty="0"/>
-              <a:t>は多用しすぎない（色使ってもOK）</a:t>
-            </a:r>
-            <a:endParaRPr sz="2400" dirty="0"/>
-          </a:p>
-          <a:p>
-            <a:pPr marL="0" lvl="0" indent="0" algn="l" rtl="0">
-              <a:lnSpc>
-                <a:spcPct val="90000"/>
-              </a:lnSpc>
-              <a:spcBef>
-                <a:spcPts val="1000"/>
-              </a:spcBef>
-              <a:spcAft>
-                <a:spcPts val="0"/>
-              </a:spcAft>
-              <a:buClr>
-                <a:schemeClr val="dk1"/>
-              </a:buClr>
-              <a:buSzPts val="2400"/>
-              <a:buNone/>
-            </a:pPr>
-            <a:endParaRPr sz="2400" dirty="0"/>
-          </a:p>
-          <a:p>
-            <a:pPr marL="0" lvl="0" indent="0" algn="l" rtl="0">
-              <a:lnSpc>
-                <a:spcPct val="90000"/>
-              </a:lnSpc>
-              <a:spcBef>
-                <a:spcPts val="1000"/>
-              </a:spcBef>
-              <a:spcAft>
-                <a:spcPts val="0"/>
-              </a:spcAft>
-              <a:buClr>
-                <a:schemeClr val="dk1"/>
-              </a:buClr>
-              <a:buSzPts val="2400"/>
-              <a:buNone/>
-            </a:pPr>
-            <a:r>
-              <a:rPr lang="ja-JP" sz="2400" dirty="0"/>
-              <a:t>部内のみでの使用を前提に引用等は厳格にしなくてよいものとする</a:t>
-            </a:r>
-            <a:endParaRPr sz="2400" dirty="0"/>
-          </a:p>
-          <a:p>
-            <a:pPr marL="0" lvl="0" indent="0" algn="l" rtl="0">
-              <a:lnSpc>
-                <a:spcPct val="90000"/>
-              </a:lnSpc>
-              <a:spcBef>
-                <a:spcPts val="1000"/>
-              </a:spcBef>
-              <a:spcAft>
-                <a:spcPts val="0"/>
-              </a:spcAft>
-              <a:buClr>
-                <a:schemeClr val="dk1"/>
-              </a:buClr>
-              <a:buSzPts val="2400"/>
-              <a:buNone/>
-            </a:pPr>
-            <a:endParaRPr sz="2400" dirty="0"/>
-          </a:p>
-          <a:p>
-            <a:pPr marL="0" lvl="0" indent="0" algn="l" rtl="0">
-              <a:lnSpc>
-                <a:spcPct val="90000"/>
-              </a:lnSpc>
-              <a:spcBef>
-                <a:spcPts val="1000"/>
-              </a:spcBef>
-              <a:spcAft>
-                <a:spcPts val="0"/>
-              </a:spcAft>
-              <a:buClr>
-                <a:schemeClr val="dk1"/>
-              </a:buClr>
-              <a:buSzPts val="2400"/>
-              <a:buNone/>
-            </a:pPr>
-            <a:r>
-              <a:rPr lang="ja-JP" sz="2400" dirty="0"/>
-              <a:t>画像を多く使い理解しやすいように</a:t>
-            </a:r>
-            <a:endParaRPr sz="2400" dirty="0"/>
-          </a:p>
-          <a:p>
-            <a:pPr marL="0" lvl="0" indent="0" algn="l" rtl="0">
-              <a:lnSpc>
-                <a:spcPct val="90000"/>
-              </a:lnSpc>
-              <a:spcBef>
-                <a:spcPts val="1000"/>
-              </a:spcBef>
-              <a:spcAft>
-                <a:spcPts val="0"/>
-              </a:spcAft>
-              <a:buClr>
-                <a:schemeClr val="dk1"/>
-              </a:buClr>
-              <a:buSzPts val="2400"/>
-              <a:buNone/>
-            </a:pPr>
-            <a:endParaRPr sz="2400" dirty="0"/>
-          </a:p>
-          <a:p>
-            <a:pPr marL="0" lvl="0" indent="0" algn="l" rtl="0">
-              <a:lnSpc>
-                <a:spcPct val="90000"/>
-              </a:lnSpc>
-              <a:spcBef>
-                <a:spcPts val="1000"/>
-              </a:spcBef>
-              <a:spcAft>
-                <a:spcPts val="0"/>
-              </a:spcAft>
-              <a:buClr>
-                <a:schemeClr val="dk1"/>
-              </a:buClr>
-              <a:buSzPts val="2400"/>
-              <a:buNone/>
-            </a:pPr>
-            <a:r>
-              <a:rPr lang="ja-JP" sz="2400" dirty="0"/>
-              <a:t>話す内容はノートにしっかり書く（話す人は代々変わっていくので）</a:t>
-            </a:r>
-            <a:endParaRPr sz="2400" dirty="0"/>
-          </a:p>
-        </p:txBody>
-      </p:sp>
-    </p:spTree>
-    <p:extLst>
-      <p:ext uri="{BB962C8B-B14F-4D97-AF65-F5344CB8AC3E}">
-        <p14:creationId xmlns:p14="http://schemas.microsoft.com/office/powerpoint/2010/main" val="2704095963"/>
-      </p:ext>
-    </p:extLst>
-  </p:cSld>
-  <p:clrMapOvr>
-    <a:masterClrMapping/>
-  </p:clrMapOvr>
-</p:sld>
-</file>
-
-<file path=ppt/slides/slide7.xml><?xml version="1.0" encoding="utf-8"?>
-<p:sld xmlns:a="http://schemas.openxmlformats.org/drawingml/2006/main" xmlns:r="http://schemas.openxmlformats.org/officeDocument/2006/relationships" xmlns:p="http://schemas.openxmlformats.org/presentationml/2006/main">
-  <p:cSld>
-    <p:spTree>
-      <p:nvGrpSpPr>
-        <p:cNvPr id="1" name="Shape 84">
-          <a:extLst>
-            <a:ext uri="{FF2B5EF4-FFF2-40B4-BE49-F238E27FC236}">
-              <a16:creationId xmlns:a16="http://schemas.microsoft.com/office/drawing/2014/main" id="{63251945-9597-8E70-D184-1D1E62C9A41E}"/>
-            </a:ext>
-          </a:extLst>
-        </p:cNvPr>
-        <p:cNvGrpSpPr/>
-        <p:nvPr/>
-      </p:nvGrpSpPr>
-      <p:grpSpPr>
-        <a:xfrm>
-          <a:off x="0" y="0"/>
-          <a:ext cx="0" cy="0"/>
-          <a:chOff x="0" y="0"/>
-          <a:chExt cx="0" cy="0"/>
-        </a:xfrm>
-      </p:grpSpPr>
-      <p:sp>
-        <p:nvSpPr>
-          <p:cNvPr id="85" name="Google Shape;85;p11">
-            <a:extLst>
-              <a:ext uri="{FF2B5EF4-FFF2-40B4-BE49-F238E27FC236}">
-                <a16:creationId xmlns:a16="http://schemas.microsoft.com/office/drawing/2014/main" id="{A3C4FDD1-0DB3-8692-6CF9-3AB19D582008}"/>
-              </a:ext>
-            </a:extLst>
-          </p:cNvPr>
-          <p:cNvSpPr txBox="1">
-            <a:spLocks noGrp="1"/>
-          </p:cNvSpPr>
-          <p:nvPr>
-            <p:ph type="title"/>
-          </p:nvPr>
-        </p:nvSpPr>
-        <p:spPr>
-          <a:xfrm>
-            <a:off x="831850" y="1709738"/>
-            <a:ext cx="9679477" cy="2852737"/>
-          </a:xfrm>
-          <a:prstGeom prst="rect">
-            <a:avLst/>
-          </a:prstGeom>
-          <a:noFill/>
-          <a:ln>
-            <a:noFill/>
-          </a:ln>
-        </p:spPr>
-        <p:txBody>
-          <a:bodyPr spcFirstLastPara="1" wrap="square" lIns="91425" tIns="45700" rIns="91425" bIns="45700" anchor="b" anchorCtr="0">
-            <a:normAutofit/>
-          </a:bodyPr>
-          <a:lstStyle/>
-          <a:p>
-            <a:r>
-              <a:rPr lang="en-US" altLang="ja-JP" sz="6000" b="0" i="0" u="none" strike="noStrike" cap="none" dirty="0">
-                <a:solidFill>
-                  <a:schemeClr val="dk1"/>
-                </a:solidFill>
-                <a:latin typeface="Calibri"/>
-                <a:ea typeface="Calibri"/>
-                <a:cs typeface="Calibri"/>
-                <a:sym typeface="Calibri"/>
-              </a:rPr>
-              <a:t>3. </a:t>
-            </a:r>
-            <a:r>
-              <a:rPr lang="ja-JP" altLang="en-US" sz="6000" b="0" i="0" u="none" strike="noStrike" cap="none" dirty="0">
-                <a:solidFill>
-                  <a:schemeClr val="dk1"/>
-                </a:solidFill>
-                <a:latin typeface="Calibri"/>
-                <a:ea typeface="Calibri"/>
-                <a:cs typeface="Calibri"/>
-                <a:sym typeface="Calibri"/>
-              </a:rPr>
-              <a:t>７セグを光らせて数字を表示させてみよう！</a:t>
-            </a:r>
-            <a:br>
-              <a:rPr lang="en-US" altLang="ja-JP" sz="6000" b="0" i="0" u="none" strike="noStrike" cap="none" dirty="0">
-                <a:solidFill>
-                  <a:schemeClr val="dk1"/>
-                </a:solidFill>
-                <a:latin typeface="Calibri"/>
-                <a:ea typeface="Calibri"/>
-                <a:cs typeface="Calibri"/>
-                <a:sym typeface="Calibri"/>
-              </a:rPr>
-            </a:br>
-            <a:endParaRPr dirty="0"/>
-          </a:p>
-        </p:txBody>
-      </p:sp>
-      <p:sp>
-        <p:nvSpPr>
-          <p:cNvPr id="86" name="Google Shape;86;p11">
-            <a:extLst>
-              <a:ext uri="{FF2B5EF4-FFF2-40B4-BE49-F238E27FC236}">
-                <a16:creationId xmlns:a16="http://schemas.microsoft.com/office/drawing/2014/main" id="{FD1D91CC-DB5B-4736-E5AA-C37AA6CF5B65}"/>
-              </a:ext>
-            </a:extLst>
-          </p:cNvPr>
-          <p:cNvSpPr txBox="1">
-            <a:spLocks noGrp="1"/>
-          </p:cNvSpPr>
-          <p:nvPr>
-            <p:ph type="body" idx="1"/>
-          </p:nvPr>
-        </p:nvSpPr>
-        <p:spPr>
-          <a:xfrm>
-            <a:off x="831850" y="4786017"/>
-            <a:ext cx="10515600" cy="1500187"/>
-          </a:xfrm>
-          <a:prstGeom prst="rect">
-            <a:avLst/>
-          </a:prstGeom>
-          <a:noFill/>
-          <a:ln>
-            <a:noFill/>
-          </a:ln>
-        </p:spPr>
-        <p:txBody>
-          <a:bodyPr spcFirstLastPara="1" wrap="square" lIns="91425" tIns="45700" rIns="91425" bIns="45700" anchor="t" anchorCtr="0">
-            <a:normAutofit/>
-          </a:bodyPr>
-          <a:lstStyle/>
-          <a:p>
-            <a:pPr marL="0" lvl="0" indent="0" algn="l" rtl="0">
-              <a:lnSpc>
-                <a:spcPct val="90000"/>
-              </a:lnSpc>
-              <a:spcBef>
-                <a:spcPts val="0"/>
-              </a:spcBef>
-              <a:spcAft>
-                <a:spcPts val="0"/>
-              </a:spcAft>
-              <a:buClr>
-                <a:srgbClr val="888888"/>
-              </a:buClr>
-              <a:buSzPts val="2400"/>
-              <a:buNone/>
-            </a:pPr>
-            <a:endParaRPr/>
-          </a:p>
-        </p:txBody>
-      </p:sp>
-    </p:spTree>
-    <p:extLst>
-      <p:ext uri="{BB962C8B-B14F-4D97-AF65-F5344CB8AC3E}">
-        <p14:creationId xmlns:p14="http://schemas.microsoft.com/office/powerpoint/2010/main" val="2640005174"/>
-      </p:ext>
-    </p:extLst>
-  </p:cSld>
-  <p:clrMapOvr>
-    <a:masterClrMapping/>
-  </p:clrMapOvr>
-</p:sld>
-</file>
-
-<file path=ppt/slides/slide8.xml><?xml version="1.0" encoding="utf-8"?>
-<p:sld xmlns:a="http://schemas.openxmlformats.org/drawingml/2006/main" xmlns:r="http://schemas.openxmlformats.org/officeDocument/2006/relationships" xmlns:p="http://schemas.openxmlformats.org/presentationml/2006/main">
-  <p:cSld>
-    <p:spTree>
-      <p:nvGrpSpPr>
-        <p:cNvPr id="1" name="Shape 91">
-          <a:extLst>
-            <a:ext uri="{FF2B5EF4-FFF2-40B4-BE49-F238E27FC236}">
-              <a16:creationId xmlns:a16="http://schemas.microsoft.com/office/drawing/2014/main" id="{C6924A68-81DB-A890-8770-8326811E288C}"/>
-            </a:ext>
-          </a:extLst>
-        </p:cNvPr>
-        <p:cNvGrpSpPr/>
-        <p:nvPr/>
-      </p:nvGrpSpPr>
-      <p:grpSpPr>
-        <a:xfrm>
-          <a:off x="0" y="0"/>
-          <a:ext cx="0" cy="0"/>
-          <a:chOff x="0" y="0"/>
-          <a:chExt cx="0" cy="0"/>
-        </a:xfrm>
-      </p:grpSpPr>
-      <p:sp>
-        <p:nvSpPr>
-          <p:cNvPr id="92" name="Google Shape;92;p12">
-            <a:extLst>
-              <a:ext uri="{FF2B5EF4-FFF2-40B4-BE49-F238E27FC236}">
-                <a16:creationId xmlns:a16="http://schemas.microsoft.com/office/drawing/2014/main" id="{EA8DEFD2-57F0-C18E-D425-E53FB587AB17}"/>
-              </a:ext>
-            </a:extLst>
-          </p:cNvPr>
-          <p:cNvSpPr txBox="1">
-            <a:spLocks noGrp="1"/>
-          </p:cNvSpPr>
-          <p:nvPr>
-            <p:ph type="title"/>
-          </p:nvPr>
-        </p:nvSpPr>
-        <p:spPr>
-          <a:xfrm>
-            <a:off x="0" y="4505"/>
-            <a:ext cx="9272187" cy="1017646"/>
-          </a:xfrm>
-          <a:prstGeom prst="rect">
-            <a:avLst/>
-          </a:prstGeom>
-          <a:noFill/>
-          <a:ln>
-            <a:noFill/>
-          </a:ln>
-        </p:spPr>
-        <p:txBody>
-          <a:bodyPr spcFirstLastPara="1" wrap="square" lIns="91425" tIns="45700" rIns="91425" bIns="45700" anchor="ctr" anchorCtr="0">
-            <a:normAutofit fontScale="90000"/>
-          </a:bodyPr>
-          <a:lstStyle/>
-          <a:p>
-            <a:pPr marL="635000" marR="0" lvl="1" algn="l" rtl="0">
-              <a:lnSpc>
-                <a:spcPct val="90000"/>
-              </a:lnSpc>
-              <a:spcBef>
-                <a:spcPts val="500"/>
-              </a:spcBef>
-              <a:spcAft>
-                <a:spcPts val="0"/>
-              </a:spcAft>
-              <a:buClr>
-                <a:schemeClr val="dk1"/>
-              </a:buClr>
-              <a:buSzPts val="2800"/>
-            </a:pPr>
-            <a:r>
-              <a:rPr lang="en-US" altLang="ja-JP" sz="4000" b="0" i="0" u="none" strike="noStrike" cap="none" dirty="0">
-                <a:solidFill>
-                  <a:schemeClr val="dk1"/>
-                </a:solidFill>
-                <a:latin typeface="Calibri"/>
-                <a:ea typeface="Calibri"/>
-                <a:cs typeface="Calibri"/>
-                <a:sym typeface="Calibri"/>
-              </a:rPr>
-              <a:t>3. </a:t>
-            </a:r>
-            <a:r>
-              <a:rPr lang="ja-JP" altLang="en-US" sz="4000" b="0" i="0" u="none" strike="noStrike" cap="none" dirty="0">
-                <a:solidFill>
-                  <a:schemeClr val="dk1"/>
-                </a:solidFill>
-                <a:latin typeface="Calibri"/>
-                <a:ea typeface="Calibri"/>
-                <a:cs typeface="Calibri"/>
-                <a:sym typeface="Calibri"/>
-              </a:rPr>
-              <a:t>７セグを光らせて数字を表示させてみよう！</a:t>
-            </a:r>
-          </a:p>
-        </p:txBody>
-      </p:sp>
-      <p:sp>
-        <p:nvSpPr>
-          <p:cNvPr id="93" name="Google Shape;93;p12">
-            <a:extLst>
-              <a:ext uri="{FF2B5EF4-FFF2-40B4-BE49-F238E27FC236}">
-                <a16:creationId xmlns:a16="http://schemas.microsoft.com/office/drawing/2014/main" id="{82A26A2D-158D-3A6C-FDF7-95CFCCD50A18}"/>
-              </a:ext>
-            </a:extLst>
-          </p:cNvPr>
-          <p:cNvSpPr txBox="1">
-            <a:spLocks noGrp="1"/>
-          </p:cNvSpPr>
-          <p:nvPr>
-            <p:ph type="body" idx="1"/>
-          </p:nvPr>
-        </p:nvSpPr>
-        <p:spPr>
-          <a:xfrm>
-            <a:off x="427383" y="1487227"/>
-            <a:ext cx="10515600" cy="5232549"/>
-          </a:xfrm>
-          <a:prstGeom prst="rect">
-            <a:avLst/>
-          </a:prstGeom>
-          <a:noFill/>
-          <a:ln>
-            <a:noFill/>
-          </a:ln>
-        </p:spPr>
-        <p:txBody>
-          <a:bodyPr spcFirstLastPara="1" wrap="square" lIns="91425" tIns="45700" rIns="91425" bIns="45700" anchor="t" anchorCtr="0">
-            <a:normAutofit lnSpcReduction="10000"/>
-          </a:bodyPr>
-          <a:lstStyle/>
-          <a:p>
-            <a:pPr marL="0" lvl="0" indent="0" algn="l" rtl="0">
-              <a:lnSpc>
-                <a:spcPct val="90000"/>
-              </a:lnSpc>
-              <a:spcBef>
-                <a:spcPts val="0"/>
-              </a:spcBef>
-              <a:spcAft>
-                <a:spcPts val="0"/>
-              </a:spcAft>
-              <a:buClr>
-                <a:schemeClr val="dk1"/>
-              </a:buClr>
-              <a:buSzPts val="2400"/>
-              <a:buNone/>
-            </a:pPr>
-            <a:r>
-              <a:rPr lang="ja-JP" sz="2400" dirty="0"/>
-              <a:t>平文は24 pt　前後を目安にする</a:t>
-            </a:r>
-            <a:endParaRPr sz="2400" dirty="0"/>
-          </a:p>
-          <a:p>
-            <a:pPr marL="0" lvl="0" indent="0" algn="l" rtl="0">
-              <a:lnSpc>
-                <a:spcPct val="90000"/>
-              </a:lnSpc>
-              <a:spcBef>
-                <a:spcPts val="1000"/>
-              </a:spcBef>
-              <a:spcAft>
-                <a:spcPts val="0"/>
-              </a:spcAft>
-              <a:buClr>
-                <a:schemeClr val="dk1"/>
-              </a:buClr>
-              <a:buSzPts val="2400"/>
-              <a:buNone/>
-            </a:pPr>
-            <a:endParaRPr sz="2400" dirty="0"/>
-          </a:p>
-          <a:p>
-            <a:pPr marL="0" lvl="0" indent="0" algn="l" rtl="0">
-              <a:lnSpc>
-                <a:spcPct val="90000"/>
-              </a:lnSpc>
-              <a:spcBef>
-                <a:spcPts val="1000"/>
-              </a:spcBef>
-              <a:spcAft>
-                <a:spcPts val="0"/>
-              </a:spcAft>
-              <a:buClr>
-                <a:schemeClr val="dk1"/>
-              </a:buClr>
-              <a:buSzPts val="2400"/>
-              <a:buNone/>
-            </a:pPr>
-            <a:r>
-              <a:rPr lang="ja-JP" sz="2400" dirty="0"/>
-              <a:t>アニメーションはフェード程度にとどめる</a:t>
-            </a:r>
-            <a:endParaRPr sz="2400" dirty="0"/>
-          </a:p>
-          <a:p>
-            <a:pPr marL="0" lvl="0" indent="0" algn="l" rtl="0">
-              <a:lnSpc>
-                <a:spcPct val="90000"/>
-              </a:lnSpc>
-              <a:spcBef>
-                <a:spcPts val="1000"/>
-              </a:spcBef>
-              <a:spcAft>
-                <a:spcPts val="0"/>
-              </a:spcAft>
-              <a:buClr>
-                <a:schemeClr val="dk1"/>
-              </a:buClr>
-              <a:buSzPts val="2400"/>
-              <a:buNone/>
-            </a:pPr>
-            <a:r>
-              <a:rPr lang="ja-JP" sz="2400" dirty="0"/>
-              <a:t>（必要があれば他にも使ってOK）</a:t>
-            </a:r>
-            <a:endParaRPr sz="2400" dirty="0"/>
-          </a:p>
-          <a:p>
-            <a:pPr marL="0" lvl="0" indent="0" algn="l" rtl="0">
-              <a:lnSpc>
-                <a:spcPct val="90000"/>
-              </a:lnSpc>
-              <a:spcBef>
-                <a:spcPts val="1000"/>
-              </a:spcBef>
-              <a:spcAft>
-                <a:spcPts val="0"/>
-              </a:spcAft>
-              <a:buClr>
-                <a:schemeClr val="dk1"/>
-              </a:buClr>
-              <a:buSzPts val="2400"/>
-              <a:buNone/>
-            </a:pPr>
-            <a:endParaRPr sz="2400" dirty="0"/>
-          </a:p>
-          <a:p>
-            <a:pPr marL="0" lvl="0" indent="0" algn="l" rtl="0">
-              <a:lnSpc>
-                <a:spcPct val="90000"/>
-              </a:lnSpc>
-              <a:spcBef>
-                <a:spcPts val="1000"/>
-              </a:spcBef>
-              <a:spcAft>
-                <a:spcPts val="0"/>
-              </a:spcAft>
-              <a:buClr>
-                <a:schemeClr val="dk1"/>
-              </a:buClr>
-              <a:buSzPts val="2400"/>
-              <a:buNone/>
-            </a:pPr>
-            <a:r>
-              <a:rPr lang="ja-JP" sz="2400" b="1" u="sng" dirty="0"/>
-              <a:t>強調</a:t>
-            </a:r>
-            <a:r>
-              <a:rPr lang="ja-JP" sz="2400" dirty="0"/>
-              <a:t>は多用しすぎない（色使ってもOK）</a:t>
-            </a:r>
-            <a:endParaRPr sz="2400" dirty="0"/>
-          </a:p>
-          <a:p>
-            <a:pPr marL="0" lvl="0" indent="0" algn="l" rtl="0">
-              <a:lnSpc>
-                <a:spcPct val="90000"/>
-              </a:lnSpc>
-              <a:spcBef>
-                <a:spcPts val="1000"/>
-              </a:spcBef>
-              <a:spcAft>
-                <a:spcPts val="0"/>
-              </a:spcAft>
-              <a:buClr>
-                <a:schemeClr val="dk1"/>
-              </a:buClr>
-              <a:buSzPts val="2400"/>
-              <a:buNone/>
-            </a:pPr>
-            <a:endParaRPr sz="2400" dirty="0"/>
-          </a:p>
-          <a:p>
-            <a:pPr marL="0" lvl="0" indent="0" algn="l" rtl="0">
-              <a:lnSpc>
-                <a:spcPct val="90000"/>
-              </a:lnSpc>
-              <a:spcBef>
-                <a:spcPts val="1000"/>
-              </a:spcBef>
-              <a:spcAft>
-                <a:spcPts val="0"/>
-              </a:spcAft>
-              <a:buClr>
-                <a:schemeClr val="dk1"/>
-              </a:buClr>
-              <a:buSzPts val="2400"/>
-              <a:buNone/>
-            </a:pPr>
-            <a:r>
-              <a:rPr lang="ja-JP" sz="2400" dirty="0"/>
-              <a:t>部内のみでの使用を前提に引用等は厳格にしなくてよいものとする</a:t>
-            </a:r>
-            <a:endParaRPr sz="2400" dirty="0"/>
-          </a:p>
-          <a:p>
-            <a:pPr marL="0" lvl="0" indent="0" algn="l" rtl="0">
-              <a:lnSpc>
-                <a:spcPct val="90000"/>
-              </a:lnSpc>
-              <a:spcBef>
-                <a:spcPts val="1000"/>
-              </a:spcBef>
-              <a:spcAft>
-                <a:spcPts val="0"/>
-              </a:spcAft>
-              <a:buClr>
-                <a:schemeClr val="dk1"/>
-              </a:buClr>
-              <a:buSzPts val="2400"/>
-              <a:buNone/>
-            </a:pPr>
-            <a:endParaRPr sz="2400" dirty="0"/>
-          </a:p>
-          <a:p>
-            <a:pPr marL="0" lvl="0" indent="0" algn="l" rtl="0">
-              <a:lnSpc>
-                <a:spcPct val="90000"/>
-              </a:lnSpc>
-              <a:spcBef>
-                <a:spcPts val="1000"/>
-              </a:spcBef>
-              <a:spcAft>
-                <a:spcPts val="0"/>
-              </a:spcAft>
-              <a:buClr>
-                <a:schemeClr val="dk1"/>
-              </a:buClr>
-              <a:buSzPts val="2400"/>
-              <a:buNone/>
-            </a:pPr>
-            <a:r>
-              <a:rPr lang="ja-JP" sz="2400" dirty="0"/>
-              <a:t>画像を多く使い理解しやすいように</a:t>
-            </a:r>
-            <a:endParaRPr sz="2400" dirty="0"/>
-          </a:p>
-          <a:p>
-            <a:pPr marL="0" lvl="0" indent="0" algn="l" rtl="0">
-              <a:lnSpc>
-                <a:spcPct val="90000"/>
-              </a:lnSpc>
-              <a:spcBef>
-                <a:spcPts val="1000"/>
-              </a:spcBef>
-              <a:spcAft>
-                <a:spcPts val="0"/>
-              </a:spcAft>
-              <a:buClr>
-                <a:schemeClr val="dk1"/>
-              </a:buClr>
-              <a:buSzPts val="2400"/>
-              <a:buNone/>
-            </a:pPr>
-            <a:endParaRPr sz="2400" dirty="0"/>
-          </a:p>
-          <a:p>
-            <a:pPr marL="0" lvl="0" indent="0" algn="l" rtl="0">
-              <a:lnSpc>
-                <a:spcPct val="90000"/>
-              </a:lnSpc>
-              <a:spcBef>
-                <a:spcPts val="1000"/>
-              </a:spcBef>
-              <a:spcAft>
-                <a:spcPts val="0"/>
-              </a:spcAft>
-              <a:buClr>
-                <a:schemeClr val="dk1"/>
-              </a:buClr>
-              <a:buSzPts val="2400"/>
-              <a:buNone/>
-            </a:pPr>
-            <a:r>
-              <a:rPr lang="ja-JP" sz="2400" dirty="0"/>
-              <a:t>話す内容はノートにしっかり書く（話す人は代々変わっていくので）</a:t>
-            </a:r>
-            <a:endParaRPr sz="2400" dirty="0"/>
-          </a:p>
-        </p:txBody>
-      </p:sp>
-    </p:spTree>
-    <p:extLst>
-      <p:ext uri="{BB962C8B-B14F-4D97-AF65-F5344CB8AC3E}">
-        <p14:creationId xmlns:p14="http://schemas.microsoft.com/office/powerpoint/2010/main" val="1265974092"/>
-      </p:ext>
-    </p:extLst>
-  </p:cSld>
-  <p:clrMapOvr>
-    <a:masterClrMapping/>
-  </p:clrMapOvr>
-</p:sld>
-</file>
-
-<file path=ppt/slides/slide9.xml><?xml version="1.0" encoding="utf-8"?>
-<p:sld xmlns:a="http://schemas.openxmlformats.org/drawingml/2006/main" xmlns:r="http://schemas.openxmlformats.org/officeDocument/2006/relationships" xmlns:p="http://schemas.openxmlformats.org/presentationml/2006/main">
-  <p:cSld>
-    <p:spTree>
-      <p:nvGrpSpPr>
-        <p:cNvPr id="1" name="Shape 84">
-          <a:extLst>
-            <a:ext uri="{FF2B5EF4-FFF2-40B4-BE49-F238E27FC236}">
-              <a16:creationId xmlns:a16="http://schemas.microsoft.com/office/drawing/2014/main" id="{A4A3C876-0360-E36F-4A40-60A98221F425}"/>
-            </a:ext>
-          </a:extLst>
-        </p:cNvPr>
-        <p:cNvGrpSpPr/>
-        <p:nvPr/>
-      </p:nvGrpSpPr>
-      <p:grpSpPr>
-        <a:xfrm>
-          <a:off x="0" y="0"/>
-          <a:ext cx="0" cy="0"/>
-          <a:chOff x="0" y="0"/>
-          <a:chExt cx="0" cy="0"/>
-        </a:xfrm>
-      </p:grpSpPr>
-      <p:sp>
-        <p:nvSpPr>
-          <p:cNvPr id="85" name="Google Shape;85;p11">
-            <a:extLst>
-              <a:ext uri="{FF2B5EF4-FFF2-40B4-BE49-F238E27FC236}">
-                <a16:creationId xmlns:a16="http://schemas.microsoft.com/office/drawing/2014/main" id="{9C844FF4-C51A-8A03-7E90-8D0F9C126508}"/>
-              </a:ext>
-            </a:extLst>
-          </p:cNvPr>
-          <p:cNvSpPr txBox="1">
-            <a:spLocks noGrp="1"/>
-          </p:cNvSpPr>
-          <p:nvPr>
-            <p:ph type="title"/>
-          </p:nvPr>
-        </p:nvSpPr>
-        <p:spPr>
-          <a:xfrm>
-            <a:off x="831850" y="1709738"/>
-            <a:ext cx="9679477" cy="2852737"/>
-          </a:xfrm>
-          <a:prstGeom prst="rect">
-            <a:avLst/>
-          </a:prstGeom>
-          <a:noFill/>
-          <a:ln>
-            <a:noFill/>
-          </a:ln>
-        </p:spPr>
-        <p:txBody>
-          <a:bodyPr spcFirstLastPara="1" wrap="square" lIns="91425" tIns="45700" rIns="91425" bIns="45700" anchor="b" anchorCtr="0">
-            <a:normAutofit/>
-          </a:bodyPr>
-          <a:lstStyle/>
-          <a:p>
-            <a:r>
-              <a:rPr lang="en-US" altLang="ja-JP" dirty="0"/>
-              <a:t>4. </a:t>
-            </a:r>
-            <a:r>
-              <a:rPr lang="ja-JP" altLang="en-US" sz="6000" b="0" i="0" u="none" strike="noStrike" cap="none" dirty="0">
-                <a:solidFill>
-                  <a:schemeClr val="dk1"/>
-                </a:solidFill>
-                <a:latin typeface="Calibri"/>
-                <a:ea typeface="Calibri"/>
-                <a:cs typeface="Calibri"/>
-                <a:sym typeface="Calibri"/>
-              </a:rPr>
-              <a:t>プルアップでスイッチを作ってみよう！</a:t>
-            </a:r>
-            <a:br>
-              <a:rPr lang="en-US" altLang="ja-JP" sz="6000" b="0" i="0" u="none" strike="noStrike" cap="none" dirty="0">
-                <a:solidFill>
-                  <a:schemeClr val="dk1"/>
-                </a:solidFill>
-                <a:latin typeface="Calibri"/>
-                <a:ea typeface="Calibri"/>
-                <a:cs typeface="Calibri"/>
-                <a:sym typeface="Calibri"/>
-              </a:rPr>
-            </a:br>
-            <a:endParaRPr dirty="0"/>
-          </a:p>
-        </p:txBody>
-      </p:sp>
-      <p:sp>
-        <p:nvSpPr>
-          <p:cNvPr id="86" name="Google Shape;86;p11">
-            <a:extLst>
-              <a:ext uri="{FF2B5EF4-FFF2-40B4-BE49-F238E27FC236}">
-                <a16:creationId xmlns:a16="http://schemas.microsoft.com/office/drawing/2014/main" id="{3F980E0F-E7BD-6BDC-E864-4E0AE79E063C}"/>
-              </a:ext>
-            </a:extLst>
-          </p:cNvPr>
-          <p:cNvSpPr txBox="1">
-            <a:spLocks noGrp="1"/>
-          </p:cNvSpPr>
-          <p:nvPr>
-            <p:ph type="body" idx="1"/>
-          </p:nvPr>
-        </p:nvSpPr>
-        <p:spPr>
-          <a:xfrm>
-            <a:off x="831850" y="4786017"/>
-            <a:ext cx="10515600" cy="1500187"/>
-          </a:xfrm>
-          <a:prstGeom prst="rect">
-            <a:avLst/>
-          </a:prstGeom>
-          <a:noFill/>
-          <a:ln>
-            <a:noFill/>
-          </a:ln>
-        </p:spPr>
-        <p:txBody>
-          <a:bodyPr spcFirstLastPara="1" wrap="square" lIns="91425" tIns="45700" rIns="91425" bIns="45700" anchor="t" anchorCtr="0">
-            <a:normAutofit/>
-          </a:bodyPr>
-          <a:lstStyle/>
-          <a:p>
-            <a:pPr marL="0" lvl="0" indent="0" algn="l" rtl="0">
-              <a:lnSpc>
-                <a:spcPct val="90000"/>
-              </a:lnSpc>
-              <a:spcBef>
-                <a:spcPts val="0"/>
-              </a:spcBef>
-              <a:spcAft>
-                <a:spcPts val="0"/>
-              </a:spcAft>
-              <a:buClr>
-                <a:srgbClr val="888888"/>
-              </a:buClr>
-              <a:buSzPts val="2400"/>
-              <a:buNone/>
-            </a:pPr>
-            <a:endParaRPr/>
-          </a:p>
-        </p:txBody>
-      </p:sp>
-    </p:spTree>
-    <p:extLst>
-      <p:ext uri="{BB962C8B-B14F-4D97-AF65-F5344CB8AC3E}">
-        <p14:creationId xmlns:p14="http://schemas.microsoft.com/office/powerpoint/2010/main" val="2286470432"/>
-      </p:ext>
-    </p:extLst>
   </p:cSld>
   <p:clrMapOvr>
     <a:masterClrMapping/>
